--- a/Task 2 - Data Insights/Module_2_Template_slide.pptx
+++ b/Task 2 - Data Insights/Module_2_Template_slide.pptx
@@ -2033,7 +2033,7 @@
           </a:ln>
           <a:extLst>
             <a:ext uri="{C572A759-6A51-4108-AA02-DFA0A04FC94B}">
-              <ma14:wrappingTextBoxFlag xmlns:ma14="http://schemas.microsoft.com/office/mac/drawingml/2011/main" xmlns="" val="1"/>
+              <ma14:wrappingTextBoxFlag xmlns="" xmlns:ma14="http://schemas.microsoft.com/office/mac/drawingml/2011/main" val="1"/>
             </a:ext>
           </a:extLst>
         </p:spPr>
@@ -2072,7 +2072,7 @@
           </a:ln>
           <a:extLst>
             <a:ext uri="{C572A759-6A51-4108-AA02-DFA0A04FC94B}">
-              <ma14:wrappingTextBoxFlag xmlns:ma14="http://schemas.microsoft.com/office/mac/drawingml/2011/main" xmlns="" val="1"/>
+              <ma14:wrappingTextBoxFlag xmlns="" xmlns:ma14="http://schemas.microsoft.com/office/mac/drawingml/2011/main" val="1"/>
             </a:ext>
           </a:extLst>
         </p:spPr>
@@ -3134,7 +3134,7 @@
           </a:ln>
           <a:extLst>
             <a:ext uri="{C572A759-6A51-4108-AA02-DFA0A04FC94B}">
-              <ma14:wrappingTextBoxFlag xmlns:ma14="http://schemas.microsoft.com/office/mac/drawingml/2011/main" xmlns="" val="1"/>
+              <ma14:wrappingTextBoxFlag xmlns="" xmlns:ma14="http://schemas.microsoft.com/office/mac/drawingml/2011/main" val="1"/>
             </a:ext>
           </a:extLst>
         </p:spPr>
@@ -3181,7 +3181,7 @@
           </a:ln>
           <a:extLst>
             <a:ext uri="{C572A759-6A51-4108-AA02-DFA0A04FC94B}">
-              <ma14:wrappingTextBoxFlag xmlns:ma14="http://schemas.microsoft.com/office/mac/drawingml/2011/main" xmlns="" val="1"/>
+              <ma14:wrappingTextBoxFlag xmlns="" xmlns:ma14="http://schemas.microsoft.com/office/mac/drawingml/2011/main" val="1"/>
             </a:ext>
           </a:extLst>
         </p:spPr>
@@ -3257,7 +3257,7 @@
           </a:ln>
           <a:extLst>
             <a:ext uri="{C572A759-6A51-4108-AA02-DFA0A04FC94B}">
-              <ma14:wrappingTextBoxFlag xmlns:ma14="http://schemas.microsoft.com/office/mac/drawingml/2011/main" xmlns="" val="1"/>
+              <ma14:wrappingTextBoxFlag xmlns="" xmlns:ma14="http://schemas.microsoft.com/office/mac/drawingml/2011/main" val="1"/>
             </a:ext>
           </a:extLst>
         </p:spPr>
@@ -3281,54 +3281,6 @@
           <a:p>
             <a:r>
               <a:t>[Division Name] - [Engagement Manager], [Senior Consultant], [Junior Consultant]</a:t>
-            </a:r>
-          </a:p>
-        </p:txBody>
-      </p:sp>
-      <p:sp>
-        <p:nvSpPr>
-          <p:cNvPr id="114" name="Note: The data and information in this document is reflective of a hypothetical situation and client. This document is to be used for KPMG Virtual Internship purposes only."/>
-          <p:cNvSpPr/>
-          <p:nvPr/>
-        </p:nvSpPr>
-        <p:spPr>
-          <a:xfrm>
-            <a:off x="-6201" y="-6350"/>
-            <a:ext cx="9175601" cy="238700"/>
-          </a:xfrm>
-          <a:prstGeom prst="rect">
-            <a:avLst/>
-          </a:prstGeom>
-          <a:solidFill>
-            <a:schemeClr val="accent3"/>
-          </a:solidFill>
-          <a:ln w="12700">
-            <a:miter lim="400000"/>
-          </a:ln>
-          <a:extLst>
-            <a:ext uri="{C572A759-6A51-4108-AA02-DFA0A04FC94B}">
-              <ma14:wrappingTextBoxFlag xmlns:ma14="http://schemas.microsoft.com/office/mac/drawingml/2011/main" xmlns="" val="1"/>
-            </a:ext>
-          </a:extLst>
-        </p:spPr>
-        <p:txBody>
-          <a:bodyPr lIns="45719" rIns="45719" anchor="ctr"/>
-          <a:lstStyle/>
-          <a:p>
-            <a:pPr defTabSz="457200">
-              <a:defRPr sz="500" b="1">
-                <a:latin typeface="Calibri"/>
-                <a:ea typeface="Calibri"/>
-                <a:cs typeface="Calibri"/>
-                <a:sym typeface="Calibri"/>
-              </a:defRPr>
-            </a:pPr>
-            <a:r>
-              <a:t>       Note: </a:t>
-            </a:r>
-            <a:r>
-              <a:rPr b="0"/>
-              <a:t>The data and information in this document is reflective of a hypothetical situation and client. This document is to be used for KPMG Virtual Internship purposes only. </a:t>
             </a:r>
           </a:p>
         </p:txBody>
@@ -3415,7 +3367,7 @@
           </a:ln>
           <a:extLst>
             <a:ext uri="{C572A759-6A51-4108-AA02-DFA0A04FC94B}">
-              <ma14:wrappingTextBoxFlag xmlns:ma14="http://schemas.microsoft.com/office/mac/drawingml/2011/main" xmlns="" val="1"/>
+              <ma14:wrappingTextBoxFlag xmlns="" xmlns:ma14="http://schemas.microsoft.com/office/mac/drawingml/2011/main" val="1"/>
             </a:ext>
           </a:extLst>
         </p:spPr>
@@ -3458,7 +3410,7 @@
           </a:ln>
           <a:extLst>
             <a:ext uri="{C572A759-6A51-4108-AA02-DFA0A04FC94B}">
-              <ma14:wrappingTextBoxFlag xmlns:ma14="http://schemas.microsoft.com/office/mac/drawingml/2011/main" xmlns="" val="1"/>
+              <ma14:wrappingTextBoxFlag xmlns="" xmlns:ma14="http://schemas.microsoft.com/office/mac/drawingml/2011/main" val="1"/>
             </a:ext>
           </a:extLst>
         </p:spPr>
@@ -3549,54 +3501,6 @@
             </a:pPr>
             <a:r>
               <a:t>Interpretation</a:t>
-            </a:r>
-          </a:p>
-        </p:txBody>
-      </p:sp>
-      <p:sp>
-        <p:nvSpPr>
-          <p:cNvPr id="119" name="Note: The data and information in this document is reflective of a hypothetical situation and client. This document is to be used for KPMG Virtual Internship purposes only."/>
-          <p:cNvSpPr/>
-          <p:nvPr/>
-        </p:nvSpPr>
-        <p:spPr>
-          <a:xfrm>
-            <a:off x="-6201" y="-6350"/>
-            <a:ext cx="9175601" cy="238700"/>
-          </a:xfrm>
-          <a:prstGeom prst="rect">
-            <a:avLst/>
-          </a:prstGeom>
-          <a:solidFill>
-            <a:schemeClr val="accent3"/>
-          </a:solidFill>
-          <a:ln w="12700">
-            <a:miter lim="400000"/>
-          </a:ln>
-          <a:extLst>
-            <a:ext uri="{C572A759-6A51-4108-AA02-DFA0A04FC94B}">
-              <ma14:wrappingTextBoxFlag xmlns:ma14="http://schemas.microsoft.com/office/mac/drawingml/2011/main" xmlns="" val="1"/>
-            </a:ext>
-          </a:extLst>
-        </p:spPr>
-        <p:txBody>
-          <a:bodyPr lIns="45719" rIns="45719" anchor="ctr"/>
-          <a:lstStyle/>
-          <a:p>
-            <a:pPr defTabSz="457200">
-              <a:defRPr sz="500" b="1">
-                <a:latin typeface="Calibri"/>
-                <a:ea typeface="Calibri"/>
-                <a:cs typeface="Calibri"/>
-                <a:sym typeface="Calibri"/>
-              </a:defRPr>
-            </a:pPr>
-            <a:r>
-              <a:t>       Note: </a:t>
-            </a:r>
-            <a:r>
-              <a:rPr b="0"/>
-              <a:t>The data and information in this document is reflective of a hypothetical situation and client. This document is to be used for KPMG Virtual Internship purposes only. </a:t>
             </a:r>
           </a:p>
         </p:txBody>
@@ -3683,7 +3587,7 @@
           </a:ln>
           <a:extLst>
             <a:ext uri="{C572A759-6A51-4108-AA02-DFA0A04FC94B}">
-              <ma14:wrappingTextBoxFlag xmlns:ma14="http://schemas.microsoft.com/office/mac/drawingml/2011/main" xmlns="" val="1"/>
+              <ma14:wrappingTextBoxFlag xmlns="" xmlns:ma14="http://schemas.microsoft.com/office/mac/drawingml/2011/main" val="1"/>
             </a:ext>
           </a:extLst>
         </p:spPr>
@@ -3726,7 +3630,7 @@
           </a:ln>
           <a:extLst>
             <a:ext uri="{C572A759-6A51-4108-AA02-DFA0A04FC94B}">
-              <ma14:wrappingTextBoxFlag xmlns:ma14="http://schemas.microsoft.com/office/mac/drawingml/2011/main" xmlns="" val="1"/>
+              <ma14:wrappingTextBoxFlag xmlns="" xmlns:ma14="http://schemas.microsoft.com/office/mac/drawingml/2011/main" val="1"/>
             </a:ext>
           </a:extLst>
         </p:spPr>
@@ -3773,7 +3677,7 @@
           </a:ln>
           <a:extLst>
             <a:ext uri="{C572A759-6A51-4108-AA02-DFA0A04FC94B}">
-              <ma14:wrappingTextBoxFlag xmlns:ma14="http://schemas.microsoft.com/office/mac/drawingml/2011/main" xmlns="" val="1"/>
+              <ma14:wrappingTextBoxFlag xmlns="" xmlns:ma14="http://schemas.microsoft.com/office/mac/drawingml/2011/main" val="1"/>
             </a:ext>
           </a:extLst>
         </p:spPr>
@@ -3877,7 +3781,7 @@
             <a:effectLst/>
             <a:extLst>
               <a:ext uri="{C572A759-6A51-4108-AA02-DFA0A04FC94B}">
-                <ma14:wrappingTextBoxFlag xmlns:ma14="http://schemas.microsoft.com/office/mac/drawingml/2011/main" xmlns="" val="1"/>
+                <ma14:wrappingTextBoxFlag xmlns="" xmlns:ma14="http://schemas.microsoft.com/office/mac/drawingml/2011/main" val="1"/>
               </a:ext>
             </a:extLst>
           </p:spPr>
@@ -3902,54 +3806,6 @@
           </p:txBody>
         </p:sp>
       </p:grpSp>
-      <p:sp>
-        <p:nvSpPr>
-          <p:cNvPr id="128" name="Note: The data and information in this document is reflective of a hypothetical situation and client. This document is to be used for KPMG Virtual Internship purposes only."/>
-          <p:cNvSpPr/>
-          <p:nvPr/>
-        </p:nvSpPr>
-        <p:spPr>
-          <a:xfrm>
-            <a:off x="-6201" y="-6350"/>
-            <a:ext cx="9175601" cy="238700"/>
-          </a:xfrm>
-          <a:prstGeom prst="rect">
-            <a:avLst/>
-          </a:prstGeom>
-          <a:solidFill>
-            <a:schemeClr val="accent3"/>
-          </a:solidFill>
-          <a:ln w="12700">
-            <a:miter lim="400000"/>
-          </a:ln>
-          <a:extLst>
-            <a:ext uri="{C572A759-6A51-4108-AA02-DFA0A04FC94B}">
-              <ma14:wrappingTextBoxFlag xmlns:ma14="http://schemas.microsoft.com/office/mac/drawingml/2011/main" xmlns="" val="1"/>
-            </a:ext>
-          </a:extLst>
-        </p:spPr>
-        <p:txBody>
-          <a:bodyPr lIns="45719" rIns="45719" anchor="ctr"/>
-          <a:lstStyle/>
-          <a:p>
-            <a:pPr defTabSz="457200">
-              <a:defRPr sz="500" b="1">
-                <a:latin typeface="Calibri"/>
-                <a:ea typeface="Calibri"/>
-                <a:cs typeface="Calibri"/>
-                <a:sym typeface="Calibri"/>
-              </a:defRPr>
-            </a:pPr>
-            <a:r>
-              <a:t>       Note: </a:t>
-            </a:r>
-            <a:r>
-              <a:rPr b="0"/>
-              <a:t>The data and information in this document is reflective of a hypothetical situation and client. This document is to be used for KPMG Virtual Internship purposes only. </a:t>
-            </a:r>
-          </a:p>
-        </p:txBody>
-      </p:sp>
     </p:spTree>
   </p:cSld>
   <p:clrMapOvr>
@@ -4032,7 +3888,7 @@
           </a:ln>
           <a:extLst>
             <a:ext uri="{C572A759-6A51-4108-AA02-DFA0A04FC94B}">
-              <ma14:wrappingTextBoxFlag xmlns:ma14="http://schemas.microsoft.com/office/mac/drawingml/2011/main" xmlns="" val="1"/>
+              <ma14:wrappingTextBoxFlag xmlns="" xmlns:ma14="http://schemas.microsoft.com/office/mac/drawingml/2011/main" val="1"/>
             </a:ext>
           </a:extLst>
         </p:spPr>
@@ -4075,7 +3931,7 @@
           </a:ln>
           <a:extLst>
             <a:ext uri="{C572A759-6A51-4108-AA02-DFA0A04FC94B}">
-              <ma14:wrappingTextBoxFlag xmlns:ma14="http://schemas.microsoft.com/office/mac/drawingml/2011/main" xmlns="" val="1"/>
+              <ma14:wrappingTextBoxFlag xmlns="" xmlns:ma14="http://schemas.microsoft.com/office/mac/drawingml/2011/main" val="1"/>
             </a:ext>
           </a:extLst>
         </p:spPr>
@@ -4122,7 +3978,7 @@
           </a:ln>
           <a:extLst>
             <a:ext uri="{C572A759-6A51-4108-AA02-DFA0A04FC94B}">
-              <ma14:wrappingTextBoxFlag xmlns:ma14="http://schemas.microsoft.com/office/mac/drawingml/2011/main" xmlns="" val="1"/>
+              <ma14:wrappingTextBoxFlag xmlns="" xmlns:ma14="http://schemas.microsoft.com/office/mac/drawingml/2011/main" val="1"/>
             </a:ext>
           </a:extLst>
         </p:spPr>
@@ -4226,7 +4082,7 @@
             <a:effectLst/>
             <a:extLst>
               <a:ext uri="{C572A759-6A51-4108-AA02-DFA0A04FC94B}">
-                <ma14:wrappingTextBoxFlag xmlns:ma14="http://schemas.microsoft.com/office/mac/drawingml/2011/main" xmlns="" val="1"/>
+                <ma14:wrappingTextBoxFlag xmlns="" xmlns:ma14="http://schemas.microsoft.com/office/mac/drawingml/2011/main" val="1"/>
               </a:ext>
             </a:extLst>
           </p:spPr>
@@ -4251,54 +4107,6 @@
           </p:txBody>
         </p:sp>
       </p:grpSp>
-      <p:sp>
-        <p:nvSpPr>
-          <p:cNvPr id="137" name="Note: The data and information in this document is reflective of a hypothetical situation and client. This document is to be used for KPMG Virtual Internship purposes only."/>
-          <p:cNvSpPr/>
-          <p:nvPr/>
-        </p:nvSpPr>
-        <p:spPr>
-          <a:xfrm>
-            <a:off x="-6201" y="-6350"/>
-            <a:ext cx="9175601" cy="238700"/>
-          </a:xfrm>
-          <a:prstGeom prst="rect">
-            <a:avLst/>
-          </a:prstGeom>
-          <a:solidFill>
-            <a:schemeClr val="accent3"/>
-          </a:solidFill>
-          <a:ln w="12700">
-            <a:miter lim="400000"/>
-          </a:ln>
-          <a:extLst>
-            <a:ext uri="{C572A759-6A51-4108-AA02-DFA0A04FC94B}">
-              <ma14:wrappingTextBoxFlag xmlns:ma14="http://schemas.microsoft.com/office/mac/drawingml/2011/main" xmlns="" val="1"/>
-            </a:ext>
-          </a:extLst>
-        </p:spPr>
-        <p:txBody>
-          <a:bodyPr lIns="45719" rIns="45719" anchor="ctr"/>
-          <a:lstStyle/>
-          <a:p>
-            <a:pPr defTabSz="457200">
-              <a:defRPr sz="500" b="1">
-                <a:latin typeface="Calibri"/>
-                <a:ea typeface="Calibri"/>
-                <a:cs typeface="Calibri"/>
-                <a:sym typeface="Calibri"/>
-              </a:defRPr>
-            </a:pPr>
-            <a:r>
-              <a:t>       Note: </a:t>
-            </a:r>
-            <a:r>
-              <a:rPr b="0"/>
-              <a:t>The data and information in this document is reflective of a hypothetical situation and client. This document is to be used for KPMG Virtual Internship purposes only. </a:t>
-            </a:r>
-          </a:p>
-        </p:txBody>
-      </p:sp>
     </p:spTree>
   </p:cSld>
   <p:clrMapOvr>
@@ -4381,7 +4189,7 @@
           </a:ln>
           <a:extLst>
             <a:ext uri="{C572A759-6A51-4108-AA02-DFA0A04FC94B}">
-              <ma14:wrappingTextBoxFlag xmlns:ma14="http://schemas.microsoft.com/office/mac/drawingml/2011/main" xmlns="" val="1"/>
+              <ma14:wrappingTextBoxFlag xmlns="" xmlns:ma14="http://schemas.microsoft.com/office/mac/drawingml/2011/main" val="1"/>
             </a:ext>
           </a:extLst>
         </p:spPr>
@@ -4424,7 +4232,7 @@
           </a:ln>
           <a:extLst>
             <a:ext uri="{C572A759-6A51-4108-AA02-DFA0A04FC94B}">
-              <ma14:wrappingTextBoxFlag xmlns:ma14="http://schemas.microsoft.com/office/mac/drawingml/2011/main" xmlns="" val="1"/>
+              <ma14:wrappingTextBoxFlag xmlns="" xmlns:ma14="http://schemas.microsoft.com/office/mac/drawingml/2011/main" val="1"/>
             </a:ext>
           </a:extLst>
         </p:spPr>
@@ -4471,7 +4279,7 @@
           </a:ln>
           <a:extLst>
             <a:ext uri="{C572A759-6A51-4108-AA02-DFA0A04FC94B}">
-              <ma14:wrappingTextBoxFlag xmlns:ma14="http://schemas.microsoft.com/office/mac/drawingml/2011/main" xmlns="" val="1"/>
+              <ma14:wrappingTextBoxFlag xmlns="" xmlns:ma14="http://schemas.microsoft.com/office/mac/drawingml/2011/main" val="1"/>
             </a:ext>
           </a:extLst>
         </p:spPr>
@@ -4575,7 +4383,7 @@
             <a:effectLst/>
             <a:extLst>
               <a:ext uri="{C572A759-6A51-4108-AA02-DFA0A04FC94B}">
-                <ma14:wrappingTextBoxFlag xmlns:ma14="http://schemas.microsoft.com/office/mac/drawingml/2011/main" xmlns="" val="1"/>
+                <ma14:wrappingTextBoxFlag xmlns="" xmlns:ma14="http://schemas.microsoft.com/office/mac/drawingml/2011/main" val="1"/>
               </a:ext>
             </a:extLst>
           </p:spPr>
@@ -4600,54 +4408,6 @@
           </p:txBody>
         </p:sp>
       </p:grpSp>
-      <p:sp>
-        <p:nvSpPr>
-          <p:cNvPr id="146" name="Note: The data and information in this document is reflective of a hypothetical situation and client. This document is to be used for KPMG Virtual Internship purposes only."/>
-          <p:cNvSpPr/>
-          <p:nvPr/>
-        </p:nvSpPr>
-        <p:spPr>
-          <a:xfrm>
-            <a:off x="-6201" y="-6350"/>
-            <a:ext cx="9175601" cy="238700"/>
-          </a:xfrm>
-          <a:prstGeom prst="rect">
-            <a:avLst/>
-          </a:prstGeom>
-          <a:solidFill>
-            <a:schemeClr val="accent3"/>
-          </a:solidFill>
-          <a:ln w="12700">
-            <a:miter lim="400000"/>
-          </a:ln>
-          <a:extLst>
-            <a:ext uri="{C572A759-6A51-4108-AA02-DFA0A04FC94B}">
-              <ma14:wrappingTextBoxFlag xmlns:ma14="http://schemas.microsoft.com/office/mac/drawingml/2011/main" xmlns="" val="1"/>
-            </a:ext>
-          </a:extLst>
-        </p:spPr>
-        <p:txBody>
-          <a:bodyPr lIns="45719" rIns="45719" anchor="ctr"/>
-          <a:lstStyle/>
-          <a:p>
-            <a:pPr defTabSz="457200">
-              <a:defRPr sz="500" b="1">
-                <a:latin typeface="Calibri"/>
-                <a:ea typeface="Calibri"/>
-                <a:cs typeface="Calibri"/>
-                <a:sym typeface="Calibri"/>
-              </a:defRPr>
-            </a:pPr>
-            <a:r>
-              <a:t>       Note: </a:t>
-            </a:r>
-            <a:r>
-              <a:rPr b="0"/>
-              <a:t>The data and information in this document is reflective of a hypothetical situation and client. This document is to be used for KPMG Virtual Internship purposes only. </a:t>
-            </a:r>
-          </a:p>
-        </p:txBody>
-      </p:sp>
     </p:spTree>
   </p:cSld>
   <p:clrMapOvr>
@@ -4730,7 +4490,7 @@
           </a:ln>
           <a:extLst>
             <a:ext uri="{C572A759-6A51-4108-AA02-DFA0A04FC94B}">
-              <ma14:wrappingTextBoxFlag xmlns:ma14="http://schemas.microsoft.com/office/mac/drawingml/2011/main" xmlns="" val="1"/>
+              <ma14:wrappingTextBoxFlag xmlns="" xmlns:ma14="http://schemas.microsoft.com/office/mac/drawingml/2011/main" val="1"/>
             </a:ext>
           </a:extLst>
         </p:spPr>
@@ -4773,7 +4533,7 @@
           </a:ln>
           <a:extLst>
             <a:ext uri="{C572A759-6A51-4108-AA02-DFA0A04FC94B}">
-              <ma14:wrappingTextBoxFlag xmlns:ma14="http://schemas.microsoft.com/office/mac/drawingml/2011/main" xmlns="" val="1"/>
+              <ma14:wrappingTextBoxFlag xmlns="" xmlns:ma14="http://schemas.microsoft.com/office/mac/drawingml/2011/main" val="1"/>
             </a:ext>
           </a:extLst>
         </p:spPr>
@@ -4820,7 +4580,7 @@
           </a:ln>
           <a:extLst>
             <a:ext uri="{C572A759-6A51-4108-AA02-DFA0A04FC94B}">
-              <ma14:wrappingTextBoxFlag xmlns:ma14="http://schemas.microsoft.com/office/mac/drawingml/2011/main" xmlns="" val="1"/>
+              <ma14:wrappingTextBoxFlag xmlns="" xmlns:ma14="http://schemas.microsoft.com/office/mac/drawingml/2011/main" val="1"/>
             </a:ext>
           </a:extLst>
         </p:spPr>
@@ -4924,7 +4684,7 @@
             <a:effectLst/>
             <a:extLst>
               <a:ext uri="{C572A759-6A51-4108-AA02-DFA0A04FC94B}">
-                <ma14:wrappingTextBoxFlag xmlns:ma14="http://schemas.microsoft.com/office/mac/drawingml/2011/main" xmlns="" val="1"/>
+                <ma14:wrappingTextBoxFlag xmlns="" xmlns:ma14="http://schemas.microsoft.com/office/mac/drawingml/2011/main" val="1"/>
               </a:ext>
             </a:extLst>
           </p:spPr>
@@ -4949,54 +4709,6 @@
           </p:txBody>
         </p:sp>
       </p:grpSp>
-      <p:sp>
-        <p:nvSpPr>
-          <p:cNvPr id="155" name="Note: The data and information in this document is reflective of a hypothetical situation and client. This document is to be used for KPMG Virtual Internship purposes only."/>
-          <p:cNvSpPr/>
-          <p:nvPr/>
-        </p:nvSpPr>
-        <p:spPr>
-          <a:xfrm>
-            <a:off x="-6201" y="-6350"/>
-            <a:ext cx="9175601" cy="238700"/>
-          </a:xfrm>
-          <a:prstGeom prst="rect">
-            <a:avLst/>
-          </a:prstGeom>
-          <a:solidFill>
-            <a:schemeClr val="accent3"/>
-          </a:solidFill>
-          <a:ln w="12700">
-            <a:miter lim="400000"/>
-          </a:ln>
-          <a:extLst>
-            <a:ext uri="{C572A759-6A51-4108-AA02-DFA0A04FC94B}">
-              <ma14:wrappingTextBoxFlag xmlns:ma14="http://schemas.microsoft.com/office/mac/drawingml/2011/main" xmlns="" val="1"/>
-            </a:ext>
-          </a:extLst>
-        </p:spPr>
-        <p:txBody>
-          <a:bodyPr lIns="45719" rIns="45719" anchor="ctr"/>
-          <a:lstStyle/>
-          <a:p>
-            <a:pPr defTabSz="457200">
-              <a:defRPr sz="500" b="1">
-                <a:latin typeface="Calibri"/>
-                <a:ea typeface="Calibri"/>
-                <a:cs typeface="Calibri"/>
-                <a:sym typeface="Calibri"/>
-              </a:defRPr>
-            </a:pPr>
-            <a:r>
-              <a:t>       Note: </a:t>
-            </a:r>
-            <a:r>
-              <a:rPr b="0"/>
-              <a:t>The data and information in this document is reflective of a hypothetical situation and client. This document is to be used for KPMG Virtual Internship purposes only. </a:t>
-            </a:r>
-          </a:p>
-        </p:txBody>
-      </p:sp>
     </p:spTree>
   </p:cSld>
   <p:clrMapOvr>
@@ -5116,7 +4828,7 @@
           </a:ln>
           <a:extLst>
             <a:ext uri="{C572A759-6A51-4108-AA02-DFA0A04FC94B}">
-              <ma14:wrappingTextBoxFlag xmlns:ma14="http://schemas.microsoft.com/office/mac/drawingml/2011/main" xmlns="" val="1"/>
+              <ma14:wrappingTextBoxFlag xmlns="" xmlns:ma14="http://schemas.microsoft.com/office/mac/drawingml/2011/main" val="1"/>
             </a:ext>
           </a:extLst>
         </p:spPr>
@@ -5140,54 +4852,6 @@
           <a:p>
             <a:r>
               <a:t>Appendix</a:t>
-            </a:r>
-          </a:p>
-        </p:txBody>
-      </p:sp>
-      <p:sp>
-        <p:nvSpPr>
-          <p:cNvPr id="159" name="Note: The data and information in this document is reflective of a hypothetical situation and client. This document is to be used for KPMG Virtual Internship purposes only."/>
-          <p:cNvSpPr/>
-          <p:nvPr/>
-        </p:nvSpPr>
-        <p:spPr>
-          <a:xfrm>
-            <a:off x="-6201" y="-6350"/>
-            <a:ext cx="9175601" cy="238700"/>
-          </a:xfrm>
-          <a:prstGeom prst="rect">
-            <a:avLst/>
-          </a:prstGeom>
-          <a:solidFill>
-            <a:schemeClr val="accent3"/>
-          </a:solidFill>
-          <a:ln w="12700">
-            <a:miter lim="400000"/>
-          </a:ln>
-          <a:extLst>
-            <a:ext uri="{C572A759-6A51-4108-AA02-DFA0A04FC94B}">
-              <ma14:wrappingTextBoxFlag xmlns:ma14="http://schemas.microsoft.com/office/mac/drawingml/2011/main" xmlns="" val="1"/>
-            </a:ext>
-          </a:extLst>
-        </p:spPr>
-        <p:txBody>
-          <a:bodyPr lIns="45719" rIns="45719" anchor="ctr"/>
-          <a:lstStyle/>
-          <a:p>
-            <a:pPr defTabSz="457200">
-              <a:defRPr sz="500" b="1">
-                <a:latin typeface="Calibri"/>
-                <a:ea typeface="Calibri"/>
-                <a:cs typeface="Calibri"/>
-                <a:sym typeface="Calibri"/>
-              </a:defRPr>
-            </a:pPr>
-            <a:r>
-              <a:t>       Note: </a:t>
-            </a:r>
-            <a:r>
-              <a:rPr b="0"/>
-              <a:t>The data and information in this document is reflective of a hypothetical situation and client. This document is to be used for KPMG Virtual Internship purposes only. </a:t>
             </a:r>
           </a:p>
         </p:txBody>
@@ -5274,7 +4938,7 @@
           </a:ln>
           <a:extLst>
             <a:ext uri="{C572A759-6A51-4108-AA02-DFA0A04FC94B}">
-              <ma14:wrappingTextBoxFlag xmlns:ma14="http://schemas.microsoft.com/office/mac/drawingml/2011/main" xmlns="" val="1"/>
+              <ma14:wrappingTextBoxFlag xmlns="" xmlns:ma14="http://schemas.microsoft.com/office/mac/drawingml/2011/main" val="1"/>
             </a:ext>
           </a:extLst>
         </p:spPr>
@@ -5317,7 +4981,7 @@
           </a:ln>
           <a:extLst>
             <a:ext uri="{C572A759-6A51-4108-AA02-DFA0A04FC94B}">
-              <ma14:wrappingTextBoxFlag xmlns:ma14="http://schemas.microsoft.com/office/mac/drawingml/2011/main" xmlns="" val="1"/>
+              <ma14:wrappingTextBoxFlag xmlns="" xmlns:ma14="http://schemas.microsoft.com/office/mac/drawingml/2011/main" val="1"/>
             </a:ext>
           </a:extLst>
         </p:spPr>
@@ -5341,54 +5005,6 @@
           <a:p>
             <a:r>
               <a:t>This is an optional slide where you may place any supporting items.</a:t>
-            </a:r>
-          </a:p>
-        </p:txBody>
-      </p:sp>
-      <p:sp>
-        <p:nvSpPr>
-          <p:cNvPr id="164" name="Note: The data and information in this document is reflective of a hypothetical situation and client. This document is to be used for KPMG Virtual Internship purposes only."/>
-          <p:cNvSpPr/>
-          <p:nvPr/>
-        </p:nvSpPr>
-        <p:spPr>
-          <a:xfrm>
-            <a:off x="-6201" y="-6350"/>
-            <a:ext cx="9175601" cy="238700"/>
-          </a:xfrm>
-          <a:prstGeom prst="rect">
-            <a:avLst/>
-          </a:prstGeom>
-          <a:solidFill>
-            <a:schemeClr val="accent3"/>
-          </a:solidFill>
-          <a:ln w="12700">
-            <a:miter lim="400000"/>
-          </a:ln>
-          <a:extLst>
-            <a:ext uri="{C572A759-6A51-4108-AA02-DFA0A04FC94B}">
-              <ma14:wrappingTextBoxFlag xmlns:ma14="http://schemas.microsoft.com/office/mac/drawingml/2011/main" xmlns="" val="1"/>
-            </a:ext>
-          </a:extLst>
-        </p:spPr>
-        <p:txBody>
-          <a:bodyPr lIns="45719" rIns="45719" anchor="ctr"/>
-          <a:lstStyle/>
-          <a:p>
-            <a:pPr defTabSz="457200">
-              <a:defRPr sz="500" b="1">
-                <a:latin typeface="Calibri"/>
-                <a:ea typeface="Calibri"/>
-                <a:cs typeface="Calibri"/>
-                <a:sym typeface="Calibri"/>
-              </a:defRPr>
-            </a:pPr>
-            <a:r>
-              <a:t>       Note: </a:t>
-            </a:r>
-            <a:r>
-              <a:rPr b="0"/>
-              <a:t>The data and information in this document is reflective of a hypothetical situation and client. This document is to be used for KPMG Virtual Internship purposes only. </a:t>
             </a:r>
           </a:p>
         </p:txBody>

--- a/Task 2 - Data Insights/Module_2_Template_slide.pptx
+++ b/Task 2 - Data Insights/Module_2_Template_slide.pptx
@@ -5,7 +5,7 @@
     <p:sldMasterId id="2147483648" r:id="rId1"/>
   </p:sldMasterIdLst>
   <p:notesMasterIdLst>
-    <p:notesMasterId r:id="rId10"/>
+    <p:notesMasterId r:id="rId11"/>
   </p:notesMasterIdLst>
   <p:sldIdLst>
     <p:sldId id="256" r:id="rId2"/>
@@ -13,9 +13,10 @@
     <p:sldId id="258" r:id="rId4"/>
     <p:sldId id="259" r:id="rId5"/>
     <p:sldId id="260" r:id="rId6"/>
-    <p:sldId id="261" r:id="rId7"/>
-    <p:sldId id="262" r:id="rId8"/>
-    <p:sldId id="263" r:id="rId9"/>
+    <p:sldId id="264" r:id="rId7"/>
+    <p:sldId id="261" r:id="rId8"/>
+    <p:sldId id="265" r:id="rId9"/>
+    <p:sldId id="266" r:id="rId10"/>
   </p:sldIdLst>
   <p:sldSz cx="9144000" cy="5143500" type="screen16x9"/>
   <p:notesSz cx="6858000" cy="9144000"/>
@@ -2033,7 +2034,7 @@
           </a:ln>
           <a:extLst>
             <a:ext uri="{C572A759-6A51-4108-AA02-DFA0A04FC94B}">
-              <ma14:wrappingTextBoxFlag xmlns="" xmlns:ma14="http://schemas.microsoft.com/office/mac/drawingml/2011/main" val="1"/>
+              <ma14:wrappingTextBoxFlag xmlns:ma14="http://schemas.microsoft.com/office/mac/drawingml/2011/main" xmlns="" val="1"/>
             </a:ext>
           </a:extLst>
         </p:spPr>
@@ -2072,7 +2073,7 @@
           </a:ln>
           <a:extLst>
             <a:ext uri="{C572A759-6A51-4108-AA02-DFA0A04FC94B}">
-              <ma14:wrappingTextBoxFlag xmlns="" xmlns:ma14="http://schemas.microsoft.com/office/mac/drawingml/2011/main" val="1"/>
+              <ma14:wrappingTextBoxFlag xmlns:ma14="http://schemas.microsoft.com/office/mac/drawingml/2011/main" xmlns="" val="1"/>
             </a:ext>
           </a:extLst>
         </p:spPr>
@@ -3134,7 +3135,7 @@
           </a:ln>
           <a:extLst>
             <a:ext uri="{C572A759-6A51-4108-AA02-DFA0A04FC94B}">
-              <ma14:wrappingTextBoxFlag xmlns="" xmlns:ma14="http://schemas.microsoft.com/office/mac/drawingml/2011/main" val="1"/>
+              <ma14:wrappingTextBoxFlag xmlns:ma14="http://schemas.microsoft.com/office/mac/drawingml/2011/main" xmlns="" val="1"/>
             </a:ext>
           </a:extLst>
         </p:spPr>
@@ -3181,7 +3182,7 @@
           </a:ln>
           <a:extLst>
             <a:ext uri="{C572A759-6A51-4108-AA02-DFA0A04FC94B}">
-              <ma14:wrappingTextBoxFlag xmlns="" xmlns:ma14="http://schemas.microsoft.com/office/mac/drawingml/2011/main" val="1"/>
+              <ma14:wrappingTextBoxFlag xmlns:ma14="http://schemas.microsoft.com/office/mac/drawingml/2011/main" xmlns="" val="1"/>
             </a:ext>
           </a:extLst>
         </p:spPr>
@@ -3257,7 +3258,7 @@
           </a:ln>
           <a:extLst>
             <a:ext uri="{C572A759-6A51-4108-AA02-DFA0A04FC94B}">
-              <ma14:wrappingTextBoxFlag xmlns="" xmlns:ma14="http://schemas.microsoft.com/office/mac/drawingml/2011/main" val="1"/>
+              <ma14:wrappingTextBoxFlag xmlns:ma14="http://schemas.microsoft.com/office/mac/drawingml/2011/main" xmlns="" val="1"/>
             </a:ext>
           </a:extLst>
         </p:spPr>
@@ -3367,7 +3368,7 @@
           </a:ln>
           <a:extLst>
             <a:ext uri="{C572A759-6A51-4108-AA02-DFA0A04FC94B}">
-              <ma14:wrappingTextBoxFlag xmlns="" xmlns:ma14="http://schemas.microsoft.com/office/mac/drawingml/2011/main" val="1"/>
+              <ma14:wrappingTextBoxFlag xmlns:ma14="http://schemas.microsoft.com/office/mac/drawingml/2011/main" xmlns="" val="1"/>
             </a:ext>
           </a:extLst>
         </p:spPr>
@@ -3410,7 +3411,7 @@
           </a:ln>
           <a:extLst>
             <a:ext uri="{C572A759-6A51-4108-AA02-DFA0A04FC94B}">
-              <ma14:wrappingTextBoxFlag xmlns="" xmlns:ma14="http://schemas.microsoft.com/office/mac/drawingml/2011/main" val="1"/>
+              <ma14:wrappingTextBoxFlag xmlns:ma14="http://schemas.microsoft.com/office/mac/drawingml/2011/main" xmlns="" val="1"/>
             </a:ext>
           </a:extLst>
         </p:spPr>
@@ -3587,7 +3588,7 @@
           </a:ln>
           <a:extLst>
             <a:ext uri="{C572A759-6A51-4108-AA02-DFA0A04FC94B}">
-              <ma14:wrappingTextBoxFlag xmlns="" xmlns:ma14="http://schemas.microsoft.com/office/mac/drawingml/2011/main" val="1"/>
+              <ma14:wrappingTextBoxFlag xmlns:ma14="http://schemas.microsoft.com/office/mac/drawingml/2011/main" xmlns="" val="1"/>
             </a:ext>
           </a:extLst>
         </p:spPr>
@@ -3619,8 +3620,8 @@
         </p:nvSpPr>
         <p:spPr>
           <a:xfrm>
-            <a:off x="205025" y="1083299"/>
-            <a:ext cx="8565600" cy="920086"/>
+            <a:off x="149804" y="928676"/>
+            <a:ext cx="8565600" cy="516327"/>
           </a:xfrm>
           <a:prstGeom prst="rect">
             <a:avLst/>
@@ -3630,7 +3631,7 @@
           </a:ln>
           <a:extLst>
             <a:ext uri="{C572A759-6A51-4108-AA02-DFA0A04FC94B}">
-              <ma14:wrappingTextBoxFlag xmlns="" xmlns:ma14="http://schemas.microsoft.com/office/mac/drawingml/2011/main" val="1"/>
+              <ma14:wrappingTextBoxFlag xmlns:ma14="http://schemas.microsoft.com/office/mac/drawingml/2011/main" xmlns="" val="1"/>
             </a:ext>
           </a:extLst>
         </p:spPr>
@@ -3653,8 +3654,10 @@
           </a:lstStyle>
           <a:p>
             <a:r>
-              <a:t>Place headline insight or information here. This should be the most important point for this slide.</a:t>
-            </a:r>
+              <a:rPr lang="en-GB" dirty="0" smtClean="0"/>
+              <a:t>Main objective of Analysis: </a:t>
+            </a:r>
+            <a:endParaRPr/>
           </a:p>
         </p:txBody>
       </p:sp>
@@ -3666,8 +3669,8 @@
         </p:nvSpPr>
         <p:spPr>
           <a:xfrm>
-            <a:off x="205025" y="2164724"/>
-            <a:ext cx="4134600" cy="436851"/>
+            <a:off x="142844" y="1500180"/>
+            <a:ext cx="8581817" cy="715548"/>
           </a:xfrm>
           <a:prstGeom prst="rect">
             <a:avLst/>
@@ -3677,12 +3680,12 @@
           </a:ln>
           <a:extLst>
             <a:ext uri="{C572A759-6A51-4108-AA02-DFA0A04FC94B}">
-              <ma14:wrappingTextBoxFlag xmlns="" xmlns:ma14="http://schemas.microsoft.com/office/mac/drawingml/2011/main" val="1"/>
+              <ma14:wrappingTextBoxFlag xmlns:ma14="http://schemas.microsoft.com/office/mac/drawingml/2011/main" xmlns="" val="1"/>
             </a:ext>
           </a:extLst>
         </p:spPr>
         <p:txBody>
-          <a:bodyPr lIns="91424" tIns="91424" rIns="91424" bIns="91424">
+          <a:bodyPr wrap="square" lIns="91424" tIns="91424" rIns="91424" bIns="91424">
             <a:spAutoFit/>
           </a:bodyPr>
           <a:lstStyle>
@@ -3700,112 +3703,1280 @@
           </a:lstStyle>
           <a:p>
             <a:r>
-              <a:t>Place any information about this point here.</a:t>
-            </a:r>
+              <a:rPr lang="en-GB" dirty="0" smtClean="0"/>
+              <a:t>Recommend </a:t>
+            </a:r>
+            <a:r>
+              <a:rPr lang="en-GB" dirty="0" smtClean="0"/>
+              <a:t>which of </a:t>
+            </a:r>
+            <a:r>
+              <a:rPr lang="en-GB" dirty="0" smtClean="0"/>
+              <a:t>the 1000 </a:t>
+            </a:r>
+            <a:r>
+              <a:rPr lang="en-GB" dirty="0" smtClean="0"/>
+              <a:t>new customers should be targeted to drive the most value for </a:t>
+            </a:r>
+            <a:r>
+              <a:rPr lang="en-GB" dirty="0" smtClean="0"/>
+              <a:t>Sprocket Central Pty Ltd</a:t>
+            </a:r>
+            <a:r>
+              <a:rPr smtClean="0"/>
+              <a:t>.</a:t>
+            </a:r>
+            <a:endParaRPr/>
           </a:p>
         </p:txBody>
       </p:sp>
-      <p:grpSp>
-        <p:nvGrpSpPr>
-          <p:cNvPr id="127" name="Shape 74"/>
-          <p:cNvGrpSpPr/>
+      <p:sp>
+        <p:nvSpPr>
+          <p:cNvPr id="11" name="Flowchart: Multidocument 10"/>
+          <p:cNvSpPr/>
           <p:nvPr/>
-        </p:nvGrpSpPr>
-        <p:grpSpPr>
+        </p:nvSpPr>
+        <p:spPr>
           <a:xfrm>
-            <a:off x="4969974" y="2164724"/>
-            <a:ext cx="3800702" cy="2649302"/>
-            <a:chOff x="0" y="0"/>
-            <a:chExt cx="3800700" cy="2649300"/>
+            <a:off x="71406" y="2357436"/>
+            <a:ext cx="2071702" cy="1785950"/>
           </a:xfrm>
-        </p:grpSpPr>
-        <p:sp>
-          <p:nvSpPr>
-            <p:cNvPr id="125" name="Rectangle"/>
-            <p:cNvSpPr/>
-            <p:nvPr/>
-          </p:nvSpPr>
-          <p:spPr>
-            <a:xfrm>
-              <a:off x="-1" y="-1"/>
-              <a:ext cx="3800702" cy="2649302"/>
-            </a:xfrm>
-            <a:prstGeom prst="rect">
-              <a:avLst/>
-            </a:prstGeom>
+          <a:prstGeom prst="flowChartMultidocument">
+            <a:avLst/>
+          </a:prstGeom>
+          <a:solidFill>
+            <a:srgbClr val="FFFFFF"/>
+          </a:solidFill>
+          <a:ln w="25400" cap="flat">
             <a:solidFill>
-              <a:srgbClr val="EEEEEE"/>
+              <a:schemeClr val="accent1"/>
             </a:solidFill>
-            <a:ln w="12700" cap="flat">
-              <a:noFill/>
-              <a:miter lim="400000"/>
-            </a:ln>
-            <a:effectLst/>
-          </p:spPr>
-          <p:txBody>
-            <a:bodyPr wrap="square" lIns="45719" tIns="45719" rIns="45719" bIns="45719" numCol="1" anchor="ctr">
-              <a:noAutofit/>
-            </a:bodyPr>
-            <a:lstStyle/>
-            <a:p>
-              <a:pPr algn="ctr">
-                <a:defRPr>
-                  <a:solidFill>
-                    <a:srgbClr val="666666"/>
-                  </a:solidFill>
-                </a:defRPr>
-              </a:pPr>
-              <a:endParaRPr/>
-            </a:p>
-          </p:txBody>
-        </p:sp>
-        <p:sp>
-          <p:nvSpPr>
-            <p:cNvPr id="126" name="Place any supporting images, graphs, data or extra text here."/>
-            <p:cNvSpPr/>
-            <p:nvPr/>
-          </p:nvSpPr>
-          <p:spPr>
-            <a:xfrm>
-              <a:off x="-1" y="1032933"/>
-              <a:ext cx="3800702" cy="583434"/>
-            </a:xfrm>
-            <a:prstGeom prst="rect">
-              <a:avLst/>
-            </a:prstGeom>
+            <a:prstDash val="solid"/>
+            <a:round/>
+          </a:ln>
+          <a:effectLst>
+            <a:outerShdw blurRad="38100" dist="23000" dir="5400000" rotWithShape="0">
+              <a:srgbClr val="000000">
+                <a:alpha val="35000"/>
+              </a:srgbClr>
+            </a:outerShdw>
+          </a:effectLst>
+          <a:sp3d/>
+        </p:spPr>
+        <p:style>
+          <a:lnRef idx="0">
+            <a:scrgbClr r="0" g="0" b="0"/>
+          </a:lnRef>
+          <a:fillRef idx="0">
+            <a:scrgbClr r="0" g="0" b="0"/>
+          </a:fillRef>
+          <a:effectRef idx="0">
+            <a:scrgbClr r="0" g="0" b="0"/>
+          </a:effectRef>
+          <a:fontRef idx="none"/>
+        </p:style>
+        <p:txBody>
+          <a:bodyPr rot="0" spcFirstLastPara="1" vertOverflow="overflow" horzOverflow="overflow" vert="horz" wrap="square" lIns="45719" tIns="45719" rIns="45719" bIns="45719" numCol="1" spcCol="38100" rtlCol="0" anchor="ctr">
+            <a:spAutoFit/>
+          </a:bodyPr>
+          <a:lstStyle/>
+          <a:p>
+            <a:pPr marL="0" marR="0" indent="0" algn="l" defTabSz="914400" rtl="0" fontAlgn="auto" latinLnBrk="0" hangingPunct="0">
+              <a:lnSpc>
+                <a:spcPct val="100000"/>
+              </a:lnSpc>
+              <a:spcBef>
+                <a:spcPts val="0"/>
+              </a:spcBef>
+              <a:spcAft>
+                <a:spcPts val="0"/>
+              </a:spcAft>
+              <a:buClrTx/>
+              <a:buSzTx/>
+              <a:buFontTx/>
+              <a:buNone/>
+              <a:tabLst/>
+            </a:pPr>
+            <a:endParaRPr kumimoji="0" lang="en-GB" sz="1400" b="0" i="0" u="none" strike="noStrike" cap="none" spc="0" normalizeH="0" baseline="0">
+              <a:ln>
+                <a:noFill/>
+              </a:ln>
+              <a:solidFill>
+                <a:srgbClr val="000000"/>
+              </a:solidFill>
+              <a:effectLst/>
+              <a:uFillTx/>
+              <a:latin typeface="+mn-lt"/>
+              <a:ea typeface="+mn-ea"/>
+              <a:cs typeface="+mn-cs"/>
+              <a:sym typeface="Arial"/>
+            </a:endParaRPr>
+          </a:p>
+        </p:txBody>
+      </p:sp>
+      <p:sp>
+        <p:nvSpPr>
+          <p:cNvPr id="12" name="Rectangle 11"/>
+          <p:cNvSpPr/>
+          <p:nvPr/>
+        </p:nvSpPr>
+        <p:spPr>
+          <a:xfrm>
+            <a:off x="71406" y="2786064"/>
+            <a:ext cx="1928826" cy="830997"/>
+          </a:xfrm>
+          <a:prstGeom prst="rect">
+            <a:avLst/>
+          </a:prstGeom>
+        </p:spPr>
+        <p:txBody>
+          <a:bodyPr wrap="square">
+            <a:spAutoFit/>
+          </a:bodyPr>
+          <a:lstStyle/>
+          <a:p>
+            <a:r>
+              <a:rPr lang="en-GB" sz="1200" dirty="0" smtClean="0"/>
+              <a:t>1.Customer </a:t>
+            </a:r>
+            <a:r>
+              <a:rPr lang="en-GB" sz="1200" dirty="0" smtClean="0"/>
+              <a:t>Demographic</a:t>
+            </a:r>
+          </a:p>
+          <a:p>
+            <a:r>
+              <a:rPr lang="en-GB" sz="1200" dirty="0" smtClean="0"/>
+              <a:t>2.Customer </a:t>
+            </a:r>
+            <a:r>
+              <a:rPr lang="en-GB" sz="1200" dirty="0" smtClean="0"/>
+              <a:t>Addresses</a:t>
+            </a:r>
+          </a:p>
+          <a:p>
+            <a:r>
+              <a:rPr lang="en-GB" sz="1200" dirty="0" smtClean="0"/>
+              <a:t>2.Transactions </a:t>
+            </a:r>
+            <a:r>
+              <a:rPr lang="en-GB" sz="1200" dirty="0" smtClean="0"/>
+              <a:t>data in the past 3 months</a:t>
+            </a:r>
+            <a:endParaRPr lang="en-GB" sz="1200" dirty="0"/>
+          </a:p>
+        </p:txBody>
+      </p:sp>
+      <p:sp>
+        <p:nvSpPr>
+          <p:cNvPr id="13" name="Flowchart: Card 12"/>
+          <p:cNvSpPr/>
+          <p:nvPr/>
+        </p:nvSpPr>
+        <p:spPr>
+          <a:xfrm>
+            <a:off x="2428860" y="2357436"/>
+            <a:ext cx="1500198" cy="1261227"/>
+          </a:xfrm>
+          <a:prstGeom prst="flowChartPunchedCard">
+            <a:avLst/>
+          </a:prstGeom>
+          <a:solidFill>
+            <a:srgbClr val="FFFFFF"/>
+          </a:solidFill>
+          <a:ln w="25400" cap="flat">
+            <a:solidFill>
+              <a:schemeClr val="accent1"/>
+            </a:solidFill>
+            <a:prstDash val="solid"/>
+            <a:round/>
+          </a:ln>
+          <a:effectLst>
+            <a:outerShdw blurRad="38100" dist="23000" dir="5400000" rotWithShape="0">
+              <a:srgbClr val="000000">
+                <a:alpha val="35000"/>
+              </a:srgbClr>
+            </a:outerShdw>
+          </a:effectLst>
+          <a:sp3d/>
+        </p:spPr>
+        <p:style>
+          <a:lnRef idx="0">
+            <a:scrgbClr r="0" g="0" b="0"/>
+          </a:lnRef>
+          <a:fillRef idx="0">
+            <a:scrgbClr r="0" g="0" b="0"/>
+          </a:fillRef>
+          <a:effectRef idx="0">
+            <a:scrgbClr r="0" g="0" b="0"/>
+          </a:effectRef>
+          <a:fontRef idx="none"/>
+        </p:style>
+        <p:txBody>
+          <a:bodyPr rot="0" spcFirstLastPara="1" vertOverflow="overflow" horzOverflow="overflow" vert="horz" wrap="square" lIns="45719" tIns="45719" rIns="45719" bIns="45719" numCol="1" spcCol="38100" rtlCol="0" anchor="ctr">
+            <a:spAutoFit/>
+          </a:bodyPr>
+          <a:lstStyle/>
+          <a:p>
+            <a:r>
+              <a:rPr lang="en-GB" sz="1200" dirty="0" smtClean="0"/>
+              <a:t>Preliminary Data Exploration</a:t>
+            </a:r>
+          </a:p>
+          <a:p>
+            <a:pPr marL="0" marR="0" indent="0" algn="l" defTabSz="914400" rtl="0" fontAlgn="auto" latinLnBrk="0" hangingPunct="0">
+              <a:lnSpc>
+                <a:spcPct val="100000"/>
+              </a:lnSpc>
+              <a:spcBef>
+                <a:spcPts val="0"/>
+              </a:spcBef>
+              <a:spcAft>
+                <a:spcPts val="0"/>
+              </a:spcAft>
+              <a:buClrTx/>
+              <a:buSzTx/>
+              <a:buFontTx/>
+              <a:buNone/>
+              <a:tabLst/>
+            </a:pPr>
+            <a:endParaRPr kumimoji="0" lang="en-GB" sz="1200" b="0" i="0" u="none" strike="noStrike" cap="none" spc="0" normalizeH="0" baseline="0" dirty="0" smtClean="0">
+              <a:ln>
+                <a:noFill/>
+              </a:ln>
+              <a:solidFill>
+                <a:srgbClr val="000000"/>
+              </a:solidFill>
+              <a:effectLst/>
+              <a:uFillTx/>
+              <a:latin typeface="+mn-lt"/>
+              <a:ea typeface="+mn-ea"/>
+              <a:cs typeface="+mn-cs"/>
+              <a:sym typeface="Arial"/>
+            </a:endParaRPr>
+          </a:p>
+          <a:p>
+            <a:pPr marL="0" marR="0" indent="0" algn="l" defTabSz="914400" rtl="0" fontAlgn="auto" latinLnBrk="0" hangingPunct="0">
+              <a:lnSpc>
+                <a:spcPct val="100000"/>
+              </a:lnSpc>
+              <a:spcBef>
+                <a:spcPts val="0"/>
+              </a:spcBef>
+              <a:spcAft>
+                <a:spcPts val="0"/>
+              </a:spcAft>
+              <a:buClrTx/>
+              <a:buSzTx/>
+              <a:buFontTx/>
+              <a:buNone/>
+              <a:tabLst/>
+            </a:pPr>
+            <a:r>
+              <a:rPr kumimoji="0" lang="en-GB" sz="1200" b="0" i="0" u="none" strike="noStrike" cap="none" spc="0" normalizeH="0" baseline="0" dirty="0" smtClean="0">
+                <a:ln>
+                  <a:noFill/>
+                </a:ln>
+                <a:solidFill>
+                  <a:srgbClr val="000000"/>
+                </a:solidFill>
+                <a:effectLst/>
+                <a:uFillTx/>
+                <a:latin typeface="+mn-lt"/>
+                <a:ea typeface="+mn-ea"/>
+                <a:cs typeface="+mn-cs"/>
+                <a:sym typeface="Arial"/>
+              </a:rPr>
+              <a:t>Data Quality</a:t>
+            </a:r>
+          </a:p>
+          <a:p>
+            <a:pPr marL="0" marR="0" indent="0" algn="l" defTabSz="914400" rtl="0" fontAlgn="auto" latinLnBrk="0" hangingPunct="0">
+              <a:lnSpc>
+                <a:spcPct val="100000"/>
+              </a:lnSpc>
+              <a:spcBef>
+                <a:spcPts val="0"/>
+              </a:spcBef>
+              <a:spcAft>
+                <a:spcPts val="0"/>
+              </a:spcAft>
+              <a:buClrTx/>
+              <a:buSzTx/>
+              <a:buFontTx/>
+              <a:buNone/>
+              <a:tabLst/>
+            </a:pPr>
+            <a:endParaRPr kumimoji="0" lang="en-GB" sz="1200" b="0" i="0" u="none" strike="noStrike" cap="none" spc="0" normalizeH="0" baseline="0" dirty="0" smtClean="0">
+              <a:ln>
+                <a:noFill/>
+              </a:ln>
+              <a:solidFill>
+                <a:srgbClr val="000000"/>
+              </a:solidFill>
+              <a:effectLst/>
+              <a:uFillTx/>
+              <a:latin typeface="+mn-lt"/>
+              <a:ea typeface="+mn-ea"/>
+              <a:cs typeface="+mn-cs"/>
+              <a:sym typeface="Arial"/>
+            </a:endParaRPr>
+          </a:p>
+        </p:txBody>
+      </p:sp>
+      <p:sp>
+        <p:nvSpPr>
+          <p:cNvPr id="15" name="Flowchart: Card 14"/>
+          <p:cNvSpPr/>
+          <p:nvPr/>
+        </p:nvSpPr>
+        <p:spPr>
+          <a:xfrm>
+            <a:off x="4286248" y="2357436"/>
+            <a:ext cx="1428760" cy="1261227"/>
+          </a:xfrm>
+          <a:prstGeom prst="flowChartPunchedCard">
+            <a:avLst/>
+          </a:prstGeom>
+          <a:solidFill>
+            <a:srgbClr val="FFFFFF"/>
+          </a:solidFill>
+          <a:ln w="25400" cap="flat">
+            <a:solidFill>
+              <a:schemeClr val="accent1"/>
+            </a:solidFill>
+            <a:prstDash val="solid"/>
+            <a:round/>
+          </a:ln>
+          <a:effectLst>
+            <a:outerShdw blurRad="38100" dist="23000" dir="5400000" rotWithShape="0">
+              <a:srgbClr val="000000">
+                <a:alpha val="35000"/>
+              </a:srgbClr>
+            </a:outerShdw>
+          </a:effectLst>
+          <a:sp3d/>
+        </p:spPr>
+        <p:style>
+          <a:lnRef idx="0">
+            <a:scrgbClr r="0" g="0" b="0"/>
+          </a:lnRef>
+          <a:fillRef idx="0">
+            <a:scrgbClr r="0" g="0" b="0"/>
+          </a:fillRef>
+          <a:effectRef idx="0">
+            <a:scrgbClr r="0" g="0" b="0"/>
+          </a:effectRef>
+          <a:fontRef idx="none"/>
+        </p:style>
+        <p:txBody>
+          <a:bodyPr rot="0" spcFirstLastPara="1" vertOverflow="overflow" horzOverflow="overflow" vert="horz" wrap="square" lIns="45719" tIns="45719" rIns="45719" bIns="45719" numCol="1" spcCol="38100" rtlCol="0" anchor="ctr">
+            <a:spAutoFit/>
+          </a:bodyPr>
+          <a:lstStyle/>
+          <a:p>
+            <a:r>
+              <a:rPr lang="en-GB" sz="1200" dirty="0" smtClean="0"/>
+              <a:t>Targeting high value customers based on customer demographics and </a:t>
+            </a:r>
+            <a:r>
+              <a:rPr lang="en-GB" sz="1200" dirty="0" smtClean="0"/>
+              <a:t>attributes</a:t>
+            </a:r>
+            <a:endParaRPr lang="en-GB" sz="1200" dirty="0" smtClean="0"/>
+          </a:p>
+        </p:txBody>
+      </p:sp>
+      <p:sp>
+        <p:nvSpPr>
+          <p:cNvPr id="16" name="TextBox 15"/>
+          <p:cNvSpPr txBox="1"/>
+          <p:nvPr/>
+        </p:nvSpPr>
+        <p:spPr>
+          <a:xfrm>
+            <a:off x="2648484" y="3786196"/>
+            <a:ext cx="994822" cy="1277271"/>
+          </a:xfrm>
+          <a:prstGeom prst="rect">
+            <a:avLst/>
+          </a:prstGeom>
+          <a:noFill/>
+          <a:ln w="12700" cap="flat">
             <a:noFill/>
-            <a:ln w="12700" cap="flat">
-              <a:noFill/>
-              <a:miter lim="400000"/>
-            </a:ln>
-            <a:effectLst/>
-            <a:extLst>
-              <a:ext uri="{C572A759-6A51-4108-AA02-DFA0A04FC94B}">
-                <ma14:wrappingTextBoxFlag xmlns="" xmlns:ma14="http://schemas.microsoft.com/office/mac/drawingml/2011/main" val="1"/>
-              </a:ext>
-            </a:extLst>
-          </p:spPr>
-          <p:txBody>
-            <a:bodyPr wrap="square" lIns="91424" tIns="91424" rIns="91424" bIns="91424" numCol="1" anchor="ctr">
-              <a:spAutoFit/>
-            </a:bodyPr>
-            <a:lstStyle>
-              <a:lvl1pPr algn="ctr">
-                <a:defRPr>
-                  <a:solidFill>
-                    <a:srgbClr val="666666"/>
-                  </a:solidFill>
-                </a:defRPr>
-              </a:lvl1pPr>
-            </a:lstStyle>
-            <a:p>
-              <a:r>
-                <a:t>Place any supporting images, graphs, data or extra text here.</a:t>
-              </a:r>
-            </a:p>
-          </p:txBody>
-        </p:sp>
-      </p:grpSp>
+            <a:miter lim="400000"/>
+          </a:ln>
+          <a:effectLst/>
+          <a:sp3d/>
+        </p:spPr>
+        <p:style>
+          <a:lnRef idx="0">
+            <a:scrgbClr r="0" g="0" b="0"/>
+          </a:lnRef>
+          <a:fillRef idx="0">
+            <a:scrgbClr r="0" g="0" b="0"/>
+          </a:fillRef>
+          <a:effectRef idx="0">
+            <a:scrgbClr r="0" g="0" b="0"/>
+          </a:effectRef>
+          <a:fontRef idx="none"/>
+        </p:style>
+        <p:txBody>
+          <a:bodyPr rot="0" spcFirstLastPara="1" vertOverflow="overflow" horzOverflow="overflow" vert="horz" wrap="none" lIns="45719" tIns="45719" rIns="45719" bIns="45719" numCol="1" spcCol="38100" rtlCol="0" anchor="t">
+            <a:spAutoFit/>
+          </a:bodyPr>
+          <a:lstStyle/>
+          <a:p>
+            <a:pPr marL="0" marR="0" indent="0" algn="l" defTabSz="914400" rtl="0" fontAlgn="auto" latinLnBrk="0" hangingPunct="0">
+              <a:lnSpc>
+                <a:spcPct val="100000"/>
+              </a:lnSpc>
+              <a:spcBef>
+                <a:spcPts val="0"/>
+              </a:spcBef>
+              <a:spcAft>
+                <a:spcPts val="0"/>
+              </a:spcAft>
+              <a:buClrTx/>
+              <a:buSzTx/>
+              <a:buFontTx/>
+              <a:buNone/>
+              <a:tabLst/>
+            </a:pPr>
+            <a:r>
+              <a:rPr kumimoji="0" lang="en-GB" sz="1100" b="0" i="0" u="none" strike="noStrike" cap="none" spc="0" normalizeH="0" baseline="0" dirty="0" smtClean="0">
+                <a:ln>
+                  <a:noFill/>
+                </a:ln>
+                <a:solidFill>
+                  <a:srgbClr val="000000"/>
+                </a:solidFill>
+                <a:effectLst/>
+                <a:uFillTx/>
+                <a:latin typeface="+mn-lt"/>
+                <a:ea typeface="+mn-ea"/>
+                <a:cs typeface="+mn-cs"/>
+                <a:sym typeface="Arial"/>
+              </a:rPr>
+              <a:t>Accuracy</a:t>
+            </a:r>
+          </a:p>
+          <a:p>
+            <a:pPr marL="0" marR="0" indent="0" algn="l" defTabSz="914400" rtl="0" fontAlgn="auto" latinLnBrk="0" hangingPunct="0">
+              <a:lnSpc>
+                <a:spcPct val="100000"/>
+              </a:lnSpc>
+              <a:spcBef>
+                <a:spcPts val="0"/>
+              </a:spcBef>
+              <a:spcAft>
+                <a:spcPts val="0"/>
+              </a:spcAft>
+              <a:buClrTx/>
+              <a:buSzTx/>
+              <a:buFontTx/>
+              <a:buNone/>
+              <a:tabLst/>
+            </a:pPr>
+            <a:r>
+              <a:rPr lang="en-GB" sz="1100" dirty="0" smtClean="0"/>
+              <a:t>Completeness</a:t>
+            </a:r>
+          </a:p>
+          <a:p>
+            <a:pPr marL="0" marR="0" indent="0" algn="l" defTabSz="914400" rtl="0" fontAlgn="auto" latinLnBrk="0" hangingPunct="0">
+              <a:lnSpc>
+                <a:spcPct val="100000"/>
+              </a:lnSpc>
+              <a:spcBef>
+                <a:spcPts val="0"/>
+              </a:spcBef>
+              <a:spcAft>
+                <a:spcPts val="0"/>
+              </a:spcAft>
+              <a:buClrTx/>
+              <a:buSzTx/>
+              <a:buFontTx/>
+              <a:buNone/>
+              <a:tabLst/>
+            </a:pPr>
+            <a:r>
+              <a:rPr kumimoji="0" lang="en-GB" sz="1100" b="0" i="0" u="none" strike="noStrike" cap="none" spc="0" normalizeH="0" baseline="0" dirty="0" smtClean="0">
+                <a:ln>
+                  <a:noFill/>
+                </a:ln>
+                <a:solidFill>
+                  <a:srgbClr val="000000"/>
+                </a:solidFill>
+                <a:effectLst/>
+                <a:uFillTx/>
+                <a:latin typeface="+mn-lt"/>
+                <a:ea typeface="+mn-ea"/>
+                <a:cs typeface="+mn-cs"/>
+                <a:sym typeface="Arial"/>
+              </a:rPr>
+              <a:t>Consistency</a:t>
+            </a:r>
+          </a:p>
+          <a:p>
+            <a:pPr marL="0" marR="0" indent="0" algn="l" defTabSz="914400" rtl="0" fontAlgn="auto" latinLnBrk="0" hangingPunct="0">
+              <a:lnSpc>
+                <a:spcPct val="100000"/>
+              </a:lnSpc>
+              <a:spcBef>
+                <a:spcPts val="0"/>
+              </a:spcBef>
+              <a:spcAft>
+                <a:spcPts val="0"/>
+              </a:spcAft>
+              <a:buClrTx/>
+              <a:buSzTx/>
+              <a:buFontTx/>
+              <a:buNone/>
+              <a:tabLst/>
+            </a:pPr>
+            <a:r>
+              <a:rPr lang="en-GB" sz="1100" dirty="0" smtClean="0"/>
+              <a:t>Currency</a:t>
+            </a:r>
+          </a:p>
+          <a:p>
+            <a:pPr marL="0" marR="0" indent="0" algn="l" defTabSz="914400" rtl="0" fontAlgn="auto" latinLnBrk="0" hangingPunct="0">
+              <a:lnSpc>
+                <a:spcPct val="100000"/>
+              </a:lnSpc>
+              <a:spcBef>
+                <a:spcPts val="0"/>
+              </a:spcBef>
+              <a:spcAft>
+                <a:spcPts val="0"/>
+              </a:spcAft>
+              <a:buClrTx/>
+              <a:buSzTx/>
+              <a:buFontTx/>
+              <a:buNone/>
+              <a:tabLst/>
+            </a:pPr>
+            <a:r>
+              <a:rPr kumimoji="0" lang="en-GB" sz="1100" b="0" i="0" u="none" strike="noStrike" cap="none" spc="0" normalizeH="0" baseline="0" dirty="0" smtClean="0">
+                <a:ln>
+                  <a:noFill/>
+                </a:ln>
+                <a:solidFill>
+                  <a:srgbClr val="000000"/>
+                </a:solidFill>
+                <a:effectLst/>
+                <a:uFillTx/>
+                <a:latin typeface="+mn-lt"/>
+                <a:ea typeface="+mn-ea"/>
+                <a:cs typeface="+mn-cs"/>
+                <a:sym typeface="Arial"/>
+              </a:rPr>
+              <a:t>Relevancy</a:t>
+            </a:r>
+          </a:p>
+          <a:p>
+            <a:pPr marL="0" marR="0" indent="0" algn="l" defTabSz="914400" rtl="0" fontAlgn="auto" latinLnBrk="0" hangingPunct="0">
+              <a:lnSpc>
+                <a:spcPct val="100000"/>
+              </a:lnSpc>
+              <a:spcBef>
+                <a:spcPts val="0"/>
+              </a:spcBef>
+              <a:spcAft>
+                <a:spcPts val="0"/>
+              </a:spcAft>
+              <a:buClrTx/>
+              <a:buSzTx/>
+              <a:buFontTx/>
+              <a:buNone/>
+              <a:tabLst/>
+            </a:pPr>
+            <a:r>
+              <a:rPr lang="en-GB" sz="1100" dirty="0" smtClean="0"/>
+              <a:t>Validity</a:t>
+            </a:r>
+          </a:p>
+          <a:p>
+            <a:pPr marL="0" marR="0" indent="0" algn="l" defTabSz="914400" rtl="0" fontAlgn="auto" latinLnBrk="0" hangingPunct="0">
+              <a:lnSpc>
+                <a:spcPct val="100000"/>
+              </a:lnSpc>
+              <a:spcBef>
+                <a:spcPts val="0"/>
+              </a:spcBef>
+              <a:spcAft>
+                <a:spcPts val="0"/>
+              </a:spcAft>
+              <a:buClrTx/>
+              <a:buSzTx/>
+              <a:buFontTx/>
+              <a:buNone/>
+              <a:tabLst/>
+            </a:pPr>
+            <a:r>
+              <a:rPr kumimoji="0" lang="en-GB" sz="1100" b="0" i="0" u="none" strike="noStrike" cap="none" spc="0" normalizeH="0" baseline="0" dirty="0" smtClean="0">
+                <a:ln>
+                  <a:noFill/>
+                </a:ln>
+                <a:solidFill>
+                  <a:srgbClr val="000000"/>
+                </a:solidFill>
+                <a:effectLst/>
+                <a:uFillTx/>
+                <a:latin typeface="+mn-lt"/>
+                <a:ea typeface="+mn-ea"/>
+                <a:cs typeface="+mn-cs"/>
+                <a:sym typeface="Arial"/>
+              </a:rPr>
+              <a:t>Uniqueness</a:t>
+            </a:r>
+            <a:endParaRPr kumimoji="0" lang="en-GB" sz="1100" b="0" i="0" u="none" strike="noStrike" cap="none" spc="0" normalizeH="0" baseline="0" dirty="0">
+              <a:ln>
+                <a:noFill/>
+              </a:ln>
+              <a:solidFill>
+                <a:srgbClr val="000000"/>
+              </a:solidFill>
+              <a:effectLst/>
+              <a:uFillTx/>
+              <a:latin typeface="+mn-lt"/>
+              <a:ea typeface="+mn-ea"/>
+              <a:cs typeface="+mn-cs"/>
+              <a:sym typeface="Arial"/>
+            </a:endParaRPr>
+          </a:p>
+        </p:txBody>
+      </p:sp>
+      <p:sp>
+        <p:nvSpPr>
+          <p:cNvPr id="17" name="Left Brace 16"/>
+          <p:cNvSpPr/>
+          <p:nvPr/>
+        </p:nvSpPr>
+        <p:spPr>
+          <a:xfrm rot="5400000">
+            <a:off x="2750331" y="3036097"/>
+            <a:ext cx="714380" cy="1500198"/>
+          </a:xfrm>
+          <a:prstGeom prst="leftBrace">
+            <a:avLst/>
+          </a:prstGeom>
+          <a:noFill/>
+          <a:ln w="25400" cap="flat">
+            <a:solidFill>
+              <a:schemeClr val="accent1"/>
+            </a:solidFill>
+            <a:prstDash val="solid"/>
+            <a:round/>
+          </a:ln>
+          <a:effectLst>
+            <a:outerShdw blurRad="38100" dist="20000" dir="5400000" rotWithShape="0">
+              <a:srgbClr val="000000">
+                <a:alpha val="38000"/>
+              </a:srgbClr>
+            </a:outerShdw>
+          </a:effectLst>
+          <a:sp3d/>
+        </p:spPr>
+        <p:style>
+          <a:lnRef idx="0">
+            <a:scrgbClr r="0" g="0" b="0"/>
+          </a:lnRef>
+          <a:fillRef idx="0">
+            <a:scrgbClr r="0" g="0" b="0"/>
+          </a:fillRef>
+          <a:effectRef idx="0">
+            <a:scrgbClr r="0" g="0" b="0"/>
+          </a:effectRef>
+          <a:fontRef idx="none"/>
+        </p:style>
+        <p:txBody>
+          <a:bodyPr rot="0" spcFirstLastPara="1" vertOverflow="overflow" horzOverflow="overflow" vert="horz" wrap="square" lIns="91439" tIns="45719" rIns="91439" bIns="45719" numCol="1" spcCol="38100" rtlCol="0" anchor="t">
+            <a:noAutofit/>
+          </a:bodyPr>
+          <a:lstStyle/>
+          <a:p>
+            <a:pPr marL="0" marR="0" indent="0" algn="l" defTabSz="914400" rtl="0" fontAlgn="auto" latinLnBrk="1" hangingPunct="0">
+              <a:lnSpc>
+                <a:spcPct val="100000"/>
+              </a:lnSpc>
+              <a:spcBef>
+                <a:spcPts val="0"/>
+              </a:spcBef>
+              <a:spcAft>
+                <a:spcPts val="0"/>
+              </a:spcAft>
+              <a:buClrTx/>
+              <a:buSzTx/>
+              <a:buFontTx/>
+              <a:buNone/>
+              <a:tabLst/>
+            </a:pPr>
+            <a:endParaRPr kumimoji="0" lang="en-GB" sz="1800" b="0" i="0" u="none" strike="noStrike" cap="none" spc="0" normalizeH="0" baseline="0">
+              <a:ln>
+                <a:noFill/>
+              </a:ln>
+              <a:solidFill>
+                <a:srgbClr val="000000"/>
+              </a:solidFill>
+              <a:effectLst/>
+              <a:uFillTx/>
+            </a:endParaRPr>
+          </a:p>
+        </p:txBody>
+      </p:sp>
+      <p:sp>
+        <p:nvSpPr>
+          <p:cNvPr id="18" name="TextBox 17"/>
+          <p:cNvSpPr txBox="1"/>
+          <p:nvPr/>
+        </p:nvSpPr>
+        <p:spPr>
+          <a:xfrm>
+            <a:off x="4429124" y="4080703"/>
+            <a:ext cx="964365" cy="261608"/>
+          </a:xfrm>
+          <a:prstGeom prst="rect">
+            <a:avLst/>
+          </a:prstGeom>
+          <a:noFill/>
+          <a:ln w="12700" cap="flat">
+            <a:noFill/>
+            <a:miter lim="400000"/>
+          </a:ln>
+          <a:effectLst/>
+          <a:sp3d/>
+        </p:spPr>
+        <p:style>
+          <a:lnRef idx="0">
+            <a:scrgbClr r="0" g="0" b="0"/>
+          </a:lnRef>
+          <a:fillRef idx="0">
+            <a:scrgbClr r="0" g="0" b="0"/>
+          </a:fillRef>
+          <a:effectRef idx="0">
+            <a:scrgbClr r="0" g="0" b="0"/>
+          </a:effectRef>
+          <a:fontRef idx="none"/>
+        </p:style>
+        <p:txBody>
+          <a:bodyPr rot="0" spcFirstLastPara="1" vertOverflow="overflow" horzOverflow="overflow" vert="horz" wrap="none" lIns="45719" tIns="45719" rIns="45719" bIns="45719" numCol="1" spcCol="38100" rtlCol="0" anchor="t">
+            <a:spAutoFit/>
+          </a:bodyPr>
+          <a:lstStyle/>
+          <a:p>
+            <a:pPr marL="0" marR="0" indent="0" algn="l" defTabSz="914400" rtl="0" fontAlgn="auto" latinLnBrk="0" hangingPunct="0">
+              <a:lnSpc>
+                <a:spcPct val="100000"/>
+              </a:lnSpc>
+              <a:spcBef>
+                <a:spcPts val="0"/>
+              </a:spcBef>
+              <a:spcAft>
+                <a:spcPts val="0"/>
+              </a:spcAft>
+              <a:buClrTx/>
+              <a:buSzTx/>
+              <a:buFontTx/>
+              <a:buNone/>
+              <a:tabLst/>
+            </a:pPr>
+            <a:r>
+              <a:rPr kumimoji="0" lang="en-GB" sz="1100" b="0" i="0" u="none" strike="noStrike" cap="none" spc="0" normalizeH="0" baseline="0" dirty="0" smtClean="0">
+                <a:ln>
+                  <a:noFill/>
+                </a:ln>
+                <a:solidFill>
+                  <a:srgbClr val="000000"/>
+                </a:solidFill>
+                <a:effectLst/>
+                <a:uFillTx/>
+                <a:latin typeface="+mn-lt"/>
+                <a:ea typeface="+mn-ea"/>
+                <a:cs typeface="+mn-cs"/>
+                <a:sym typeface="Arial"/>
+              </a:rPr>
+              <a:t>RFM Analysis</a:t>
+            </a:r>
+            <a:endParaRPr kumimoji="0" lang="en-GB" sz="1100" b="0" i="0" u="none" strike="noStrike" cap="none" spc="0" normalizeH="0" baseline="0" dirty="0">
+              <a:ln>
+                <a:noFill/>
+              </a:ln>
+              <a:solidFill>
+                <a:srgbClr val="000000"/>
+              </a:solidFill>
+              <a:effectLst/>
+              <a:uFillTx/>
+              <a:latin typeface="+mn-lt"/>
+              <a:ea typeface="+mn-ea"/>
+              <a:cs typeface="+mn-cs"/>
+              <a:sym typeface="Arial"/>
+            </a:endParaRPr>
+          </a:p>
+        </p:txBody>
+      </p:sp>
+      <p:sp>
+        <p:nvSpPr>
+          <p:cNvPr id="19" name="Left Brace 18"/>
+          <p:cNvSpPr/>
+          <p:nvPr/>
+        </p:nvSpPr>
+        <p:spPr>
+          <a:xfrm rot="5400000">
+            <a:off x="4607719" y="3107535"/>
+            <a:ext cx="714380" cy="1500198"/>
+          </a:xfrm>
+          <a:prstGeom prst="leftBrace">
+            <a:avLst/>
+          </a:prstGeom>
+          <a:noFill/>
+          <a:ln w="25400" cap="flat">
+            <a:solidFill>
+              <a:schemeClr val="accent1"/>
+            </a:solidFill>
+            <a:prstDash val="solid"/>
+            <a:round/>
+          </a:ln>
+          <a:effectLst>
+            <a:outerShdw blurRad="38100" dist="20000" dir="5400000" rotWithShape="0">
+              <a:srgbClr val="000000">
+                <a:alpha val="38000"/>
+              </a:srgbClr>
+            </a:outerShdw>
+          </a:effectLst>
+          <a:sp3d/>
+        </p:spPr>
+        <p:style>
+          <a:lnRef idx="0">
+            <a:scrgbClr r="0" g="0" b="0"/>
+          </a:lnRef>
+          <a:fillRef idx="0">
+            <a:scrgbClr r="0" g="0" b="0"/>
+          </a:fillRef>
+          <a:effectRef idx="0">
+            <a:scrgbClr r="0" g="0" b="0"/>
+          </a:effectRef>
+          <a:fontRef idx="none"/>
+        </p:style>
+        <p:txBody>
+          <a:bodyPr rot="0" spcFirstLastPara="1" vertOverflow="overflow" horzOverflow="overflow" vert="horz" wrap="square" lIns="91439" tIns="45719" rIns="91439" bIns="45719" numCol="1" spcCol="38100" rtlCol="0" anchor="t">
+            <a:noAutofit/>
+          </a:bodyPr>
+          <a:lstStyle/>
+          <a:p>
+            <a:pPr marL="0" marR="0" indent="0" algn="l" defTabSz="914400" rtl="0" fontAlgn="auto" latinLnBrk="1" hangingPunct="0">
+              <a:lnSpc>
+                <a:spcPct val="100000"/>
+              </a:lnSpc>
+              <a:spcBef>
+                <a:spcPts val="0"/>
+              </a:spcBef>
+              <a:spcAft>
+                <a:spcPts val="0"/>
+              </a:spcAft>
+              <a:buClrTx/>
+              <a:buSzTx/>
+              <a:buFontTx/>
+              <a:buNone/>
+              <a:tabLst/>
+            </a:pPr>
+            <a:endParaRPr kumimoji="0" lang="en-GB" sz="1800" b="0" i="0" u="none" strike="noStrike" cap="none" spc="0" normalizeH="0" baseline="0">
+              <a:ln>
+                <a:noFill/>
+              </a:ln>
+              <a:solidFill>
+                <a:srgbClr val="000000"/>
+              </a:solidFill>
+              <a:effectLst/>
+              <a:uFillTx/>
+            </a:endParaRPr>
+          </a:p>
+        </p:txBody>
+      </p:sp>
+      <p:sp>
+        <p:nvSpPr>
+          <p:cNvPr id="20" name="Chevron 19"/>
+          <p:cNvSpPr/>
+          <p:nvPr/>
+        </p:nvSpPr>
+        <p:spPr>
+          <a:xfrm>
+            <a:off x="6143636" y="2500312"/>
+            <a:ext cx="714380" cy="928694"/>
+          </a:xfrm>
+          <a:prstGeom prst="chevron">
+            <a:avLst>
+              <a:gd name="adj" fmla="val 77607"/>
+            </a:avLst>
+          </a:prstGeom>
+          <a:solidFill>
+            <a:srgbClr val="FFFFFF"/>
+          </a:solidFill>
+          <a:ln w="25400" cap="flat">
+            <a:solidFill>
+              <a:schemeClr val="accent1"/>
+            </a:solidFill>
+            <a:prstDash val="solid"/>
+            <a:round/>
+          </a:ln>
+          <a:effectLst>
+            <a:outerShdw blurRad="38100" dist="23000" dir="5400000" rotWithShape="0">
+              <a:srgbClr val="000000">
+                <a:alpha val="35000"/>
+              </a:srgbClr>
+            </a:outerShdw>
+          </a:effectLst>
+          <a:sp3d/>
+        </p:spPr>
+        <p:style>
+          <a:lnRef idx="0">
+            <a:scrgbClr r="0" g="0" b="0"/>
+          </a:lnRef>
+          <a:fillRef idx="0">
+            <a:scrgbClr r="0" g="0" b="0"/>
+          </a:fillRef>
+          <a:effectRef idx="0">
+            <a:scrgbClr r="0" g="0" b="0"/>
+          </a:effectRef>
+          <a:fontRef idx="none"/>
+        </p:style>
+        <p:txBody>
+          <a:bodyPr rot="0" spcFirstLastPara="1" vertOverflow="overflow" horzOverflow="overflow" vert="horz" wrap="square" lIns="45719" tIns="45719" rIns="45719" bIns="45719" numCol="1" spcCol="38100" rtlCol="0" anchor="ctr">
+            <a:spAutoFit/>
+          </a:bodyPr>
+          <a:lstStyle/>
+          <a:p>
+            <a:pPr marL="0" marR="0" indent="0" algn="l" defTabSz="914400" rtl="0" fontAlgn="auto" latinLnBrk="0" hangingPunct="0">
+              <a:lnSpc>
+                <a:spcPct val="100000"/>
+              </a:lnSpc>
+              <a:spcBef>
+                <a:spcPts val="0"/>
+              </a:spcBef>
+              <a:spcAft>
+                <a:spcPts val="0"/>
+              </a:spcAft>
+              <a:buClrTx/>
+              <a:buSzTx/>
+              <a:buFontTx/>
+              <a:buNone/>
+              <a:tabLst/>
+            </a:pPr>
+            <a:endParaRPr kumimoji="0" lang="en-GB" sz="1400" b="0" i="0" u="none" strike="noStrike" cap="none" spc="0" normalizeH="0" baseline="0">
+              <a:ln>
+                <a:noFill/>
+              </a:ln>
+              <a:solidFill>
+                <a:srgbClr val="000000"/>
+              </a:solidFill>
+              <a:effectLst/>
+              <a:uFillTx/>
+              <a:latin typeface="+mn-lt"/>
+              <a:ea typeface="+mn-ea"/>
+              <a:cs typeface="+mn-cs"/>
+              <a:sym typeface="Arial"/>
+            </a:endParaRPr>
+          </a:p>
+        </p:txBody>
+      </p:sp>
+      <p:sp>
+        <p:nvSpPr>
+          <p:cNvPr id="23" name="Bevel 22"/>
+          <p:cNvSpPr/>
+          <p:nvPr/>
+        </p:nvSpPr>
+        <p:spPr>
+          <a:xfrm>
+            <a:off x="7286644" y="2714626"/>
+            <a:ext cx="1285884" cy="695263"/>
+          </a:xfrm>
+          <a:prstGeom prst="bevel">
+            <a:avLst/>
+          </a:prstGeom>
+          <a:solidFill>
+            <a:srgbClr val="FFFFFF"/>
+          </a:solidFill>
+          <a:ln w="25400" cap="flat">
+            <a:solidFill>
+              <a:schemeClr val="accent1"/>
+            </a:solidFill>
+            <a:prstDash val="solid"/>
+            <a:round/>
+          </a:ln>
+          <a:effectLst>
+            <a:outerShdw blurRad="38100" dist="23000" dir="5400000" rotWithShape="0">
+              <a:srgbClr val="000000">
+                <a:alpha val="35000"/>
+              </a:srgbClr>
+            </a:outerShdw>
+          </a:effectLst>
+          <a:sp3d/>
+        </p:spPr>
+        <p:style>
+          <a:lnRef idx="0">
+            <a:scrgbClr r="0" g="0" b="0"/>
+          </a:lnRef>
+          <a:fillRef idx="0">
+            <a:scrgbClr r="0" g="0" b="0"/>
+          </a:fillRef>
+          <a:effectRef idx="0">
+            <a:scrgbClr r="0" g="0" b="0"/>
+          </a:effectRef>
+          <a:fontRef idx="none"/>
+        </p:style>
+        <p:txBody>
+          <a:bodyPr rot="0" spcFirstLastPara="1" vertOverflow="overflow" horzOverflow="overflow" vert="horz" wrap="square" lIns="45719" tIns="45719" rIns="45719" bIns="45719" numCol="1" spcCol="38100" rtlCol="0" anchor="ctr">
+            <a:spAutoFit/>
+          </a:bodyPr>
+          <a:lstStyle/>
+          <a:p>
+            <a:pPr marL="0" marR="0" indent="0" algn="l" defTabSz="914400" rtl="0" fontAlgn="auto" latinLnBrk="0" hangingPunct="0">
+              <a:lnSpc>
+                <a:spcPct val="100000"/>
+              </a:lnSpc>
+              <a:spcBef>
+                <a:spcPts val="0"/>
+              </a:spcBef>
+              <a:spcAft>
+                <a:spcPts val="0"/>
+              </a:spcAft>
+              <a:buClrTx/>
+              <a:buSzTx/>
+              <a:buFontTx/>
+              <a:buNone/>
+              <a:tabLst/>
+            </a:pPr>
+            <a:r>
+              <a:rPr kumimoji="0" lang="en-GB" sz="1400" b="0" i="0" u="none" strike="noStrike" cap="none" spc="0" normalizeH="0" baseline="0" dirty="0" smtClean="0">
+                <a:ln>
+                  <a:noFill/>
+                </a:ln>
+                <a:solidFill>
+                  <a:srgbClr val="000000"/>
+                </a:solidFill>
+                <a:effectLst/>
+                <a:uFillTx/>
+                <a:latin typeface="+mn-lt"/>
+                <a:ea typeface="+mn-ea"/>
+                <a:cs typeface="+mn-cs"/>
+                <a:sym typeface="Arial"/>
+              </a:rPr>
+              <a:t>New Customers</a:t>
+            </a:r>
+            <a:endParaRPr kumimoji="0" lang="en-GB" sz="1400" b="0" i="0" u="none" strike="noStrike" cap="none" spc="0" normalizeH="0" baseline="0" dirty="0">
+              <a:ln>
+                <a:noFill/>
+              </a:ln>
+              <a:solidFill>
+                <a:srgbClr val="000000"/>
+              </a:solidFill>
+              <a:effectLst/>
+              <a:uFillTx/>
+              <a:latin typeface="+mn-lt"/>
+              <a:ea typeface="+mn-ea"/>
+              <a:cs typeface="+mn-cs"/>
+              <a:sym typeface="Arial"/>
+            </a:endParaRPr>
+          </a:p>
+        </p:txBody>
+      </p:sp>
+      <p:sp>
+        <p:nvSpPr>
+          <p:cNvPr id="24" name="Lightning Bolt 23"/>
+          <p:cNvSpPr/>
+          <p:nvPr/>
+        </p:nvSpPr>
+        <p:spPr>
+          <a:xfrm rot="20477940">
+            <a:off x="6013325" y="2318687"/>
+            <a:ext cx="1069842" cy="962614"/>
+          </a:xfrm>
+          <a:prstGeom prst="lightningBolt">
+            <a:avLst/>
+          </a:prstGeom>
+          <a:solidFill>
+            <a:srgbClr val="FFFFFF"/>
+          </a:solidFill>
+          <a:ln w="25400" cap="flat">
+            <a:solidFill>
+              <a:schemeClr val="accent1"/>
+            </a:solidFill>
+            <a:prstDash val="solid"/>
+            <a:round/>
+          </a:ln>
+          <a:effectLst>
+            <a:outerShdw blurRad="38100" dist="23000" dir="5400000" rotWithShape="0">
+              <a:srgbClr val="000000">
+                <a:alpha val="35000"/>
+              </a:srgbClr>
+            </a:outerShdw>
+          </a:effectLst>
+          <a:sp3d/>
+        </p:spPr>
+        <p:style>
+          <a:lnRef idx="0">
+            <a:scrgbClr r="0" g="0" b="0"/>
+          </a:lnRef>
+          <a:fillRef idx="0">
+            <a:scrgbClr r="0" g="0" b="0"/>
+          </a:fillRef>
+          <a:effectRef idx="0">
+            <a:scrgbClr r="0" g="0" b="0"/>
+          </a:effectRef>
+          <a:fontRef idx="none"/>
+        </p:style>
+        <p:txBody>
+          <a:bodyPr rot="0" spcFirstLastPara="1" vertOverflow="overflow" horzOverflow="overflow" vert="horz" wrap="square" lIns="45719" tIns="45719" rIns="45719" bIns="45719" numCol="1" spcCol="38100" rtlCol="0" anchor="ctr">
+            <a:spAutoFit/>
+          </a:bodyPr>
+          <a:lstStyle/>
+          <a:p>
+            <a:pPr marL="0" marR="0" indent="0" algn="l" defTabSz="914400" rtl="0" fontAlgn="auto" latinLnBrk="0" hangingPunct="0">
+              <a:lnSpc>
+                <a:spcPct val="100000"/>
+              </a:lnSpc>
+              <a:spcBef>
+                <a:spcPts val="0"/>
+              </a:spcBef>
+              <a:spcAft>
+                <a:spcPts val="0"/>
+              </a:spcAft>
+              <a:buClrTx/>
+              <a:buSzTx/>
+              <a:buFontTx/>
+              <a:buNone/>
+              <a:tabLst/>
+            </a:pPr>
+            <a:endParaRPr kumimoji="0" lang="en-GB" sz="1400" b="0" i="0" u="none" strike="noStrike" cap="none" spc="0" normalizeH="0" baseline="0">
+              <a:ln>
+                <a:noFill/>
+              </a:ln>
+              <a:solidFill>
+                <a:srgbClr val="000000"/>
+              </a:solidFill>
+              <a:effectLst/>
+              <a:uFillTx/>
+              <a:latin typeface="+mn-lt"/>
+              <a:ea typeface="+mn-ea"/>
+              <a:cs typeface="+mn-cs"/>
+              <a:sym typeface="Arial"/>
+            </a:endParaRPr>
+          </a:p>
+        </p:txBody>
+      </p:sp>
+      <p:sp>
+        <p:nvSpPr>
+          <p:cNvPr id="25" name="TextBox 24"/>
+          <p:cNvSpPr txBox="1"/>
+          <p:nvPr/>
+        </p:nvSpPr>
+        <p:spPr>
+          <a:xfrm>
+            <a:off x="6185815" y="2643188"/>
+            <a:ext cx="957953" cy="523218"/>
+          </a:xfrm>
+          <a:prstGeom prst="rect">
+            <a:avLst/>
+          </a:prstGeom>
+          <a:noFill/>
+          <a:ln w="12700" cap="flat">
+            <a:noFill/>
+            <a:miter lim="400000"/>
+          </a:ln>
+          <a:effectLst/>
+          <a:sp3d/>
+        </p:spPr>
+        <p:style>
+          <a:lnRef idx="0">
+            <a:scrgbClr r="0" g="0" b="0"/>
+          </a:lnRef>
+          <a:fillRef idx="0">
+            <a:scrgbClr r="0" g="0" b="0"/>
+          </a:fillRef>
+          <a:effectRef idx="0">
+            <a:scrgbClr r="0" g="0" b="0"/>
+          </a:effectRef>
+          <a:fontRef idx="none"/>
+        </p:style>
+        <p:txBody>
+          <a:bodyPr rot="0" spcFirstLastPara="1" vertOverflow="overflow" horzOverflow="overflow" vert="horz" wrap="none" lIns="45719" tIns="45719" rIns="45719" bIns="45719" numCol="1" spcCol="38100" rtlCol="0" anchor="t">
+            <a:spAutoFit/>
+          </a:bodyPr>
+          <a:lstStyle/>
+          <a:p>
+            <a:pPr marL="0" marR="0" indent="0" algn="l" defTabSz="914400" rtl="0" fontAlgn="auto" latinLnBrk="0" hangingPunct="0">
+              <a:lnSpc>
+                <a:spcPct val="100000"/>
+              </a:lnSpc>
+              <a:spcBef>
+                <a:spcPts val="0"/>
+              </a:spcBef>
+              <a:spcAft>
+                <a:spcPts val="0"/>
+              </a:spcAft>
+              <a:buClrTx/>
+              <a:buSzTx/>
+              <a:buFontTx/>
+              <a:buNone/>
+              <a:tabLst/>
+            </a:pPr>
+            <a:r>
+              <a:rPr kumimoji="0" lang="en-GB" sz="1400" b="0" i="0" u="none" strike="noStrike" cap="none" spc="0" normalizeH="0" baseline="0" dirty="0" smtClean="0">
+                <a:ln>
+                  <a:noFill/>
+                </a:ln>
+                <a:solidFill>
+                  <a:srgbClr val="000000"/>
+                </a:solidFill>
+                <a:effectLst/>
+                <a:uFillTx/>
+                <a:latin typeface="+mn-lt"/>
+                <a:ea typeface="+mn-ea"/>
+                <a:cs typeface="+mn-cs"/>
+                <a:sym typeface="Arial"/>
+              </a:rPr>
+              <a:t>Top</a:t>
+            </a:r>
+          </a:p>
+          <a:p>
+            <a:pPr marL="0" marR="0" indent="0" algn="l" defTabSz="914400" rtl="0" fontAlgn="auto" latinLnBrk="0" hangingPunct="0">
+              <a:lnSpc>
+                <a:spcPct val="100000"/>
+              </a:lnSpc>
+              <a:spcBef>
+                <a:spcPts val="0"/>
+              </a:spcBef>
+              <a:spcAft>
+                <a:spcPts val="0"/>
+              </a:spcAft>
+              <a:buClrTx/>
+              <a:buSzTx/>
+              <a:buFontTx/>
+              <a:buNone/>
+              <a:tabLst/>
+            </a:pPr>
+            <a:r>
+              <a:rPr lang="en-GB" dirty="0" smtClean="0"/>
+              <a:t>Customers</a:t>
+            </a:r>
+            <a:endParaRPr kumimoji="0" lang="en-GB" sz="1400" b="0" i="0" u="none" strike="noStrike" cap="none" spc="0" normalizeH="0" baseline="0" dirty="0">
+              <a:ln>
+                <a:noFill/>
+              </a:ln>
+              <a:solidFill>
+                <a:srgbClr val="000000"/>
+              </a:solidFill>
+              <a:effectLst/>
+              <a:uFillTx/>
+              <a:latin typeface="+mn-lt"/>
+              <a:ea typeface="+mn-ea"/>
+              <a:cs typeface="+mn-cs"/>
+              <a:sym typeface="Arial"/>
+            </a:endParaRPr>
+          </a:p>
+        </p:txBody>
+      </p:sp>
     </p:spTree>
   </p:cSld>
   <p:clrMapOvr>
@@ -3888,7 +5059,7 @@
           </a:ln>
           <a:extLst>
             <a:ext uri="{C572A759-6A51-4108-AA02-DFA0A04FC94B}">
-              <ma14:wrappingTextBoxFlag xmlns="" xmlns:ma14="http://schemas.microsoft.com/office/mac/drawingml/2011/main" val="1"/>
+              <ma14:wrappingTextBoxFlag xmlns:ma14="http://schemas.microsoft.com/office/mac/drawingml/2011/main" xmlns="" val="1"/>
             </a:ext>
           </a:extLst>
         </p:spPr>
@@ -3931,7 +5102,7 @@
           </a:ln>
           <a:extLst>
             <a:ext uri="{C572A759-6A51-4108-AA02-DFA0A04FC94B}">
-              <ma14:wrappingTextBoxFlag xmlns="" xmlns:ma14="http://schemas.microsoft.com/office/mac/drawingml/2011/main" val="1"/>
+              <ma14:wrappingTextBoxFlag xmlns:ma14="http://schemas.microsoft.com/office/mac/drawingml/2011/main" xmlns="" val="1"/>
             </a:ext>
           </a:extLst>
         </p:spPr>
@@ -3978,7 +5149,7 @@
           </a:ln>
           <a:extLst>
             <a:ext uri="{C572A759-6A51-4108-AA02-DFA0A04FC94B}">
-              <ma14:wrappingTextBoxFlag xmlns="" xmlns:ma14="http://schemas.microsoft.com/office/mac/drawingml/2011/main" val="1"/>
+              <ma14:wrappingTextBoxFlag xmlns:ma14="http://schemas.microsoft.com/office/mac/drawingml/2011/main" xmlns="" val="1"/>
             </a:ext>
           </a:extLst>
         </p:spPr>
@@ -4082,7 +5253,7 @@
             <a:effectLst/>
             <a:extLst>
               <a:ext uri="{C572A759-6A51-4108-AA02-DFA0A04FC94B}">
-                <ma14:wrappingTextBoxFlag xmlns="" xmlns:ma14="http://schemas.microsoft.com/office/mac/drawingml/2011/main" val="1"/>
+                <ma14:wrappingTextBoxFlag xmlns:ma14="http://schemas.microsoft.com/office/mac/drawingml/2011/main" xmlns="" val="1"/>
               </a:ext>
             </a:extLst>
           </p:spPr>
@@ -4189,7 +5360,7 @@
           </a:ln>
           <a:extLst>
             <a:ext uri="{C572A759-6A51-4108-AA02-DFA0A04FC94B}">
-              <ma14:wrappingTextBoxFlag xmlns="" xmlns:ma14="http://schemas.microsoft.com/office/mac/drawingml/2011/main" val="1"/>
+              <ma14:wrappingTextBoxFlag xmlns:ma14="http://schemas.microsoft.com/office/mac/drawingml/2011/main" xmlns="" val="1"/>
             </a:ext>
           </a:extLst>
         </p:spPr>
@@ -4222,7 +5393,7 @@
         <p:spPr>
           <a:xfrm>
             <a:off x="205025" y="1083299"/>
-            <a:ext cx="8565600" cy="920086"/>
+            <a:ext cx="8565600" cy="516327"/>
           </a:xfrm>
           <a:prstGeom prst="rect">
             <a:avLst/>
@@ -4232,7 +5403,7 @@
           </a:ln>
           <a:extLst>
             <a:ext uri="{C572A759-6A51-4108-AA02-DFA0A04FC94B}">
-              <ma14:wrappingTextBoxFlag xmlns="" xmlns:ma14="http://schemas.microsoft.com/office/mac/drawingml/2011/main" val="1"/>
+              <ma14:wrappingTextBoxFlag xmlns:ma14="http://schemas.microsoft.com/office/mac/drawingml/2011/main" xmlns="" val="1"/>
             </a:ext>
           </a:extLst>
         </p:spPr>
@@ -4255,21 +5426,152 @@
           </a:lstStyle>
           <a:p>
             <a:r>
-              <a:t>Place headline insight or information here. This should be the most important point for this slide.</a:t>
-            </a:r>
+              <a:rPr lang="en-GB" dirty="0" smtClean="0"/>
+              <a:t>RFM Analysis/Technique</a:t>
+            </a:r>
+            <a:endParaRPr/>
           </a:p>
         </p:txBody>
       </p:sp>
+      <p:pic>
+        <p:nvPicPr>
+          <p:cNvPr id="3074" name="Picture 2"/>
+          <p:cNvPicPr>
+            <a:picLocks noChangeAspect="1" noChangeArrowheads="1"/>
+          </p:cNvPicPr>
+          <p:nvPr/>
+        </p:nvPicPr>
+        <p:blipFill>
+          <a:blip r:embed="rId2"/>
+          <a:srcRect/>
+          <a:stretch>
+            <a:fillRect/>
+          </a:stretch>
+        </p:blipFill>
+        <p:spPr bwMode="auto">
+          <a:xfrm>
+            <a:off x="142844" y="1928808"/>
+            <a:ext cx="4547304" cy="2746381"/>
+          </a:xfrm>
+          <a:prstGeom prst="rect">
+            <a:avLst/>
+          </a:prstGeom>
+          <a:noFill/>
+          <a:ln w="9525">
+            <a:noFill/>
+            <a:miter lim="800000"/>
+            <a:headEnd/>
+            <a:tailEnd/>
+          </a:ln>
+          <a:effectLst/>
+        </p:spPr>
+      </p:pic>
+      <p:pic>
+        <p:nvPicPr>
+          <p:cNvPr id="3075" name="Picture 3"/>
+          <p:cNvPicPr>
+            <a:picLocks noChangeAspect="1" noChangeArrowheads="1"/>
+          </p:cNvPicPr>
+          <p:nvPr/>
+        </p:nvPicPr>
+        <p:blipFill>
+          <a:blip r:embed="rId3"/>
+          <a:srcRect/>
+          <a:stretch>
+            <a:fillRect/>
+          </a:stretch>
+        </p:blipFill>
+        <p:spPr bwMode="auto">
+          <a:xfrm>
+            <a:off x="4643438" y="2000246"/>
+            <a:ext cx="4374175" cy="2503492"/>
+          </a:xfrm>
+          <a:prstGeom prst="rect">
+            <a:avLst/>
+          </a:prstGeom>
+          <a:noFill/>
+          <a:ln w="9525">
+            <a:noFill/>
+            <a:miter lim="800000"/>
+            <a:headEnd/>
+            <a:tailEnd/>
+          </a:ln>
+          <a:effectLst/>
+        </p:spPr>
+      </p:pic>
+    </p:spTree>
+  </p:cSld>
+  <p:clrMapOvr>
+    <a:masterClrMapping/>
+  </p:clrMapOvr>
+  <p:transition spd="med"/>
+</p:sld>
+</file>
+
+<file path=ppt/slides/slide6.xml><?xml version="1.0" encoding="utf-8"?>
+<p:sld xmlns:a="http://schemas.openxmlformats.org/drawingml/2006/main" xmlns:r="http://schemas.openxmlformats.org/officeDocument/2006/relationships" xmlns:p="http://schemas.openxmlformats.org/presentationml/2006/main">
+  <p:cSld>
+    <p:spTree>
+      <p:nvGrpSpPr>
+        <p:cNvPr id="1" name=""/>
+        <p:cNvGrpSpPr/>
+        <p:nvPr/>
+      </p:nvGrpSpPr>
+      <p:grpSpPr>
+        <a:xfrm>
+          <a:off x="0" y="0"/>
+          <a:ext cx="0" cy="0"/>
+          <a:chOff x="0" y="0"/>
+          <a:chExt cx="0" cy="0"/>
+        </a:xfrm>
+      </p:grpSpPr>
       <p:sp>
         <p:nvSpPr>
-          <p:cNvPr id="142" name="Shape 91"/>
+          <p:cNvPr id="139" name="Shape 88"/>
           <p:cNvSpPr/>
           <p:nvPr/>
         </p:nvSpPr>
         <p:spPr>
           <a:xfrm>
-            <a:off x="205025" y="2164724"/>
-            <a:ext cx="4134600" cy="436851"/>
+            <a:off x="-15501" y="-19475"/>
+            <a:ext cx="9191402" cy="840000"/>
+          </a:xfrm>
+          <a:prstGeom prst="rect">
+            <a:avLst/>
+          </a:prstGeom>
+          <a:gradFill>
+            <a:gsLst>
+              <a:gs pos="0">
+                <a:srgbClr val="1077D2"/>
+              </a:gs>
+              <a:gs pos="100000">
+                <a:srgbClr val="093153"/>
+              </a:gs>
+            </a:gsLst>
+            <a:lin ang="12000143"/>
+          </a:gradFill>
+          <a:ln w="12700">
+            <a:miter lim="400000"/>
+          </a:ln>
+        </p:spPr>
+        <p:txBody>
+          <a:bodyPr lIns="45719" rIns="45719" anchor="ctr"/>
+          <a:lstStyle/>
+          <a:p>
+            <a:endParaRPr/>
+          </a:p>
+        </p:txBody>
+      </p:sp>
+      <p:sp>
+        <p:nvSpPr>
+          <p:cNvPr id="140" name="Shape 89"/>
+          <p:cNvSpPr/>
+          <p:nvPr/>
+        </p:nvSpPr>
+        <p:spPr>
+          <a:xfrm>
+            <a:off x="205025" y="263974"/>
+            <a:ext cx="8565600" cy="466642"/>
           </a:xfrm>
           <a:prstGeom prst="rect">
             <a:avLst/>
@@ -4279,7 +5581,50 @@
           </a:ln>
           <a:extLst>
             <a:ext uri="{C572A759-6A51-4108-AA02-DFA0A04FC94B}">
-              <ma14:wrappingTextBoxFlag xmlns="" xmlns:ma14="http://schemas.microsoft.com/office/mac/drawingml/2011/main" val="1"/>
+              <ma14:wrappingTextBoxFlag xmlns:ma14="http://schemas.microsoft.com/office/mac/drawingml/2011/main" xmlns="" val="1"/>
+            </a:ext>
+          </a:extLst>
+        </p:spPr>
+        <p:txBody>
+          <a:bodyPr lIns="91424" tIns="91424" rIns="91424" bIns="91424">
+            <a:spAutoFit/>
+          </a:bodyPr>
+          <a:lstStyle>
+            <a:lvl1pPr>
+              <a:defRPr sz="2000" b="1">
+                <a:solidFill>
+                  <a:srgbClr val="FFFFFF"/>
+                </a:solidFill>
+              </a:defRPr>
+            </a:lvl1pPr>
+          </a:lstStyle>
+          <a:p>
+            <a:r>
+              <a:t>Model Development</a:t>
+            </a:r>
+          </a:p>
+        </p:txBody>
+      </p:sp>
+      <p:sp>
+        <p:nvSpPr>
+          <p:cNvPr id="141" name="Shape 90"/>
+          <p:cNvSpPr/>
+          <p:nvPr/>
+        </p:nvSpPr>
+        <p:spPr>
+          <a:xfrm>
+            <a:off x="205025" y="1083299"/>
+            <a:ext cx="8565600" cy="516327"/>
+          </a:xfrm>
+          <a:prstGeom prst="rect">
+            <a:avLst/>
+          </a:prstGeom>
+          <a:ln w="12700">
+            <a:miter lim="400000"/>
+          </a:ln>
+          <a:extLst>
+            <a:ext uri="{C572A759-6A51-4108-AA02-DFA0A04FC94B}">
+              <ma14:wrappingTextBoxFlag xmlns:ma14="http://schemas.microsoft.com/office/mac/drawingml/2011/main" xmlns="" val="1"/>
             </a:ext>
           </a:extLst>
         </p:spPr>
@@ -4292,7 +5637,7 @@
               <a:lnSpc>
                 <a:spcPct val="115000"/>
               </a:lnSpc>
-              <a:defRPr sz="1500">
+              <a:defRPr sz="2000" b="1">
                 <a:latin typeface="Open Sans"/>
                 <a:ea typeface="Open Sans"/>
                 <a:cs typeface="Open Sans"/>
@@ -4302,112 +5647,383 @@
           </a:lstStyle>
           <a:p>
             <a:r>
-              <a:t>Place any information about this point here.</a:t>
-            </a:r>
+              <a:rPr lang="en-GB" dirty="0" smtClean="0"/>
+              <a:t>RFM Analysis/Technique</a:t>
+            </a:r>
+            <a:endParaRPr/>
           </a:p>
         </p:txBody>
       </p:sp>
-      <p:grpSp>
-        <p:nvGrpSpPr>
-          <p:cNvPr id="145" name="Shape 92"/>
-          <p:cNvGrpSpPr/>
+      <p:pic>
+        <p:nvPicPr>
+          <p:cNvPr id="1026" name="Picture 2"/>
+          <p:cNvPicPr>
+            <a:picLocks noChangeAspect="1" noChangeArrowheads="1"/>
+          </p:cNvPicPr>
           <p:nvPr/>
-        </p:nvGrpSpPr>
-        <p:grpSpPr>
+        </p:nvPicPr>
+        <p:blipFill>
+          <a:blip r:embed="rId2"/>
+          <a:srcRect/>
+          <a:stretch>
+            <a:fillRect/>
+          </a:stretch>
+        </p:blipFill>
+        <p:spPr bwMode="auto">
           <a:xfrm>
-            <a:off x="4969974" y="2164724"/>
-            <a:ext cx="3800702" cy="2649302"/>
-            <a:chOff x="0" y="0"/>
-            <a:chExt cx="3800700" cy="2649300"/>
+            <a:off x="285720" y="1694412"/>
+            <a:ext cx="2428892" cy="3234792"/>
           </a:xfrm>
-        </p:grpSpPr>
-        <p:sp>
-          <p:nvSpPr>
-            <p:cNvPr id="143" name="Rectangle"/>
-            <p:cNvSpPr/>
-            <p:nvPr/>
-          </p:nvSpPr>
-          <p:spPr>
-            <a:xfrm>
-              <a:off x="-1" y="-1"/>
-              <a:ext cx="3800702" cy="2649302"/>
-            </a:xfrm>
-            <a:prstGeom prst="rect">
-              <a:avLst/>
-            </a:prstGeom>
-            <a:solidFill>
-              <a:srgbClr val="EEEEEE"/>
-            </a:solidFill>
-            <a:ln w="12700" cap="flat">
-              <a:noFill/>
-              <a:miter lim="400000"/>
-            </a:ln>
-            <a:effectLst/>
-          </p:spPr>
-          <p:txBody>
-            <a:bodyPr wrap="square" lIns="45719" tIns="45719" rIns="45719" bIns="45719" numCol="1" anchor="ctr">
-              <a:noAutofit/>
-            </a:bodyPr>
-            <a:lstStyle/>
-            <a:p>
-              <a:pPr algn="ctr">
-                <a:defRPr>
-                  <a:solidFill>
-                    <a:srgbClr val="666666"/>
-                  </a:solidFill>
-                </a:defRPr>
-              </a:pPr>
-              <a:endParaRPr/>
-            </a:p>
-          </p:txBody>
-        </p:sp>
-        <p:sp>
-          <p:nvSpPr>
-            <p:cNvPr id="144" name="Place any supporting images, graphs, data or extra text here."/>
-            <p:cNvSpPr/>
-            <p:nvPr/>
-          </p:nvSpPr>
-          <p:spPr>
-            <a:xfrm>
-              <a:off x="-1" y="1032933"/>
-              <a:ext cx="3800702" cy="583434"/>
-            </a:xfrm>
-            <a:prstGeom prst="rect">
-              <a:avLst/>
-            </a:prstGeom>
+          <a:prstGeom prst="rect">
+            <a:avLst/>
+          </a:prstGeom>
+          <a:noFill/>
+          <a:ln w="9525">
             <a:noFill/>
-            <a:ln w="12700" cap="flat">
-              <a:noFill/>
-              <a:miter lim="400000"/>
-            </a:ln>
-            <a:effectLst/>
-            <a:extLst>
-              <a:ext uri="{C572A759-6A51-4108-AA02-DFA0A04FC94B}">
-                <ma14:wrappingTextBoxFlag xmlns="" xmlns:ma14="http://schemas.microsoft.com/office/mac/drawingml/2011/main" val="1"/>
-              </a:ext>
-            </a:extLst>
-          </p:spPr>
-          <p:txBody>
-            <a:bodyPr wrap="square" lIns="91424" tIns="91424" rIns="91424" bIns="91424" numCol="1" anchor="ctr">
-              <a:spAutoFit/>
-            </a:bodyPr>
-            <a:lstStyle>
-              <a:lvl1pPr algn="ctr">
-                <a:defRPr>
-                  <a:solidFill>
-                    <a:srgbClr val="666666"/>
-                  </a:solidFill>
-                </a:defRPr>
-              </a:lvl1pPr>
-            </a:lstStyle>
-            <a:p>
-              <a:r>
-                <a:t>Place any supporting images, graphs, data or extra text here.</a:t>
-              </a:r>
-            </a:p>
-          </p:txBody>
-        </p:sp>
-      </p:grpSp>
+            <a:miter lim="800000"/>
+            <a:headEnd/>
+            <a:tailEnd/>
+          </a:ln>
+          <a:effectLst/>
+        </p:spPr>
+      </p:pic>
+      <p:graphicFrame>
+        <p:nvGraphicFramePr>
+          <p:cNvPr id="10" name="Table 9"/>
+          <p:cNvGraphicFramePr>
+            <a:graphicFrameLocks noGrp="1"/>
+          </p:cNvGraphicFramePr>
+          <p:nvPr/>
+        </p:nvGraphicFramePr>
+        <p:xfrm>
+          <a:off x="2786050" y="1643056"/>
+          <a:ext cx="6096000" cy="3362960"/>
+        </p:xfrm>
+        <a:graphic>
+          <a:graphicData uri="http://schemas.openxmlformats.org/drawingml/2006/table">
+            <a:tbl>
+              <a:tblPr firstRow="1" bandRow="1">
+                <a:tableStyleId>{5A111915-BE36-4E01-A7E5-04B1672EAD32}</a:tableStyleId>
+              </a:tblPr>
+              <a:tblGrid>
+                <a:gridCol w="3048000"/>
+                <a:gridCol w="3048000"/>
+              </a:tblGrid>
+              <a:tr h="370840">
+                <a:tc>
+                  <a:txBody>
+                    <a:bodyPr/>
+                    <a:lstStyle/>
+                    <a:p>
+                      <a:r>
+                        <a:rPr lang="en-GB" dirty="0" smtClean="0"/>
+                        <a:t>Group</a:t>
+                      </a:r>
+                      <a:endParaRPr lang="en-GB" b="1" dirty="0"/>
+                    </a:p>
+                  </a:txBody>
+                  <a:tcPr/>
+                </a:tc>
+                <a:tc>
+                  <a:txBody>
+                    <a:bodyPr/>
+                    <a:lstStyle/>
+                    <a:p>
+                      <a:r>
+                        <a:rPr lang="en-GB" dirty="0" smtClean="0"/>
+                        <a:t>Description</a:t>
+                      </a:r>
+                      <a:endParaRPr lang="en-GB" b="1" dirty="0"/>
+                    </a:p>
+                  </a:txBody>
+                  <a:tcPr/>
+                </a:tc>
+              </a:tr>
+              <a:tr h="370840">
+                <a:tc>
+                  <a:txBody>
+                    <a:bodyPr/>
+                    <a:lstStyle/>
+                    <a:p>
+                      <a:r>
+                        <a:rPr lang="en-GB" dirty="0" smtClean="0"/>
+                        <a:t>Top customers</a:t>
+                      </a:r>
+                      <a:endParaRPr lang="en-GB" dirty="0"/>
+                    </a:p>
+                  </a:txBody>
+                  <a:tcPr/>
+                </a:tc>
+                <a:tc>
+                  <a:txBody>
+                    <a:bodyPr/>
+                    <a:lstStyle/>
+                    <a:p>
+                      <a:r>
+                        <a:rPr lang="en-GB" dirty="0" smtClean="0"/>
+                        <a:t>Current, frequent, large revenues</a:t>
+                      </a:r>
+                      <a:endParaRPr lang="en-GB" dirty="0"/>
+                    </a:p>
+                  </a:txBody>
+                  <a:tcPr/>
+                </a:tc>
+              </a:tr>
+              <a:tr h="370840">
+                <a:tc>
+                  <a:txBody>
+                    <a:bodyPr/>
+                    <a:lstStyle/>
+                    <a:p>
+                      <a:r>
+                        <a:rPr lang="en-GB" dirty="0" smtClean="0"/>
+                        <a:t>Active customer</a:t>
+                      </a:r>
+                      <a:endParaRPr lang="en-GB" dirty="0"/>
+                    </a:p>
+                  </a:txBody>
+                  <a:tcPr/>
+                </a:tc>
+                <a:tc>
+                  <a:txBody>
+                    <a:bodyPr/>
+                    <a:lstStyle/>
+                    <a:p>
+                      <a:r>
+                        <a:rPr lang="en-GB" dirty="0" smtClean="0"/>
+                        <a:t>Continuous revenue</a:t>
+                      </a:r>
+                      <a:endParaRPr lang="en-GB" dirty="0"/>
+                    </a:p>
+                  </a:txBody>
+                  <a:tcPr/>
+                </a:tc>
+              </a:tr>
+              <a:tr h="370840">
+                <a:tc>
+                  <a:txBody>
+                    <a:bodyPr/>
+                    <a:lstStyle/>
+                    <a:p>
+                      <a:r>
+                        <a:rPr lang="en-GB" dirty="0" smtClean="0"/>
+                        <a:t>Emerging customers</a:t>
+                      </a:r>
+                      <a:endParaRPr lang="en-GB" dirty="0"/>
+                    </a:p>
+                  </a:txBody>
+                  <a:tcPr/>
+                </a:tc>
+                <a:tc>
+                  <a:txBody>
+                    <a:bodyPr/>
+                    <a:lstStyle/>
+                    <a:p>
+                      <a:r>
+                        <a:rPr lang="en-GB" dirty="0" smtClean="0"/>
+                        <a:t>Potential</a:t>
+                      </a:r>
+                      <a:r>
+                        <a:rPr lang="en-GB" baseline="0" dirty="0" smtClean="0"/>
+                        <a:t> for cross-and </a:t>
+                      </a:r>
+                      <a:r>
+                        <a:rPr lang="en-GB" baseline="0" dirty="0" err="1" smtClean="0"/>
+                        <a:t>upselling</a:t>
+                      </a:r>
+                      <a:endParaRPr lang="en-GB" dirty="0"/>
+                    </a:p>
+                  </a:txBody>
+                  <a:tcPr/>
+                </a:tc>
+              </a:tr>
+              <a:tr h="370840">
+                <a:tc>
+                  <a:txBody>
+                    <a:bodyPr/>
+                    <a:lstStyle/>
+                    <a:p>
+                      <a:r>
+                        <a:rPr lang="en-GB" dirty="0" smtClean="0"/>
+                        <a:t>Unsteady customers</a:t>
+                      </a:r>
+                      <a:endParaRPr lang="en-GB" dirty="0"/>
+                    </a:p>
+                  </a:txBody>
+                  <a:tcPr/>
+                </a:tc>
+                <a:tc>
+                  <a:txBody>
+                    <a:bodyPr/>
+                    <a:lstStyle/>
+                    <a:p>
+                      <a:pPr marL="0" marR="0" indent="0" algn="r" defTabSz="914400" rtl="0" eaLnBrk="1" fontAlgn="auto" latinLnBrk="0" hangingPunct="1">
+                        <a:lnSpc>
+                          <a:spcPct val="100000"/>
+                        </a:lnSpc>
+                        <a:spcBef>
+                          <a:spcPts val="0"/>
+                        </a:spcBef>
+                        <a:spcAft>
+                          <a:spcPts val="0"/>
+                        </a:spcAft>
+                        <a:buClrTx/>
+                        <a:buSzTx/>
+                        <a:buFontTx/>
+                        <a:buNone/>
+                        <a:tabLst/>
+                        <a:defRPr/>
+                      </a:pPr>
+                      <a:r>
+                        <a:rPr lang="en-GB" dirty="0" smtClean="0"/>
+                        <a:t>Potential</a:t>
+                      </a:r>
+                      <a:r>
+                        <a:rPr lang="en-GB" baseline="0" dirty="0" smtClean="0"/>
+                        <a:t> for cross-and </a:t>
+                      </a:r>
+                      <a:r>
+                        <a:rPr lang="en-GB" baseline="0" dirty="0" err="1" smtClean="0"/>
+                        <a:t>upselling</a:t>
+                      </a:r>
+                      <a:r>
+                        <a:rPr lang="en-GB" baseline="0" dirty="0" smtClean="0"/>
+                        <a:t> depending of the offer</a:t>
+                      </a:r>
+                      <a:endParaRPr lang="en-GB" dirty="0" smtClean="0"/>
+                    </a:p>
+                  </a:txBody>
+                  <a:tcPr/>
+                </a:tc>
+              </a:tr>
+              <a:tr h="370840">
+                <a:tc>
+                  <a:txBody>
+                    <a:bodyPr/>
+                    <a:lstStyle/>
+                    <a:p>
+                      <a:r>
+                        <a:rPr lang="en-GB" dirty="0" smtClean="0"/>
+                        <a:t>At risk</a:t>
+                      </a:r>
+                      <a:r>
+                        <a:rPr lang="en-GB" baseline="0" dirty="0" smtClean="0"/>
+                        <a:t> customers</a:t>
+                      </a:r>
+                      <a:endParaRPr lang="en-GB" dirty="0"/>
+                    </a:p>
+                  </a:txBody>
+                  <a:tcPr/>
+                </a:tc>
+                <a:tc>
+                  <a:txBody>
+                    <a:bodyPr/>
+                    <a:lstStyle/>
+                    <a:p>
+                      <a:r>
+                        <a:rPr lang="en-GB" dirty="0" smtClean="0"/>
+                        <a:t>Non-current,</a:t>
+                      </a:r>
+                      <a:r>
+                        <a:rPr lang="en-GB" baseline="0" dirty="0" smtClean="0"/>
+                        <a:t> but partly frequent and high revenues</a:t>
+                      </a:r>
+                      <a:endParaRPr lang="en-GB" dirty="0"/>
+                    </a:p>
+                  </a:txBody>
+                  <a:tcPr/>
+                </a:tc>
+              </a:tr>
+              <a:tr h="370840">
+                <a:tc>
+                  <a:txBody>
+                    <a:bodyPr/>
+                    <a:lstStyle/>
+                    <a:p>
+                      <a:r>
+                        <a:rPr lang="en-GB" dirty="0" smtClean="0"/>
+                        <a:t>Potential lost</a:t>
+                      </a:r>
+                      <a:r>
+                        <a:rPr lang="en-GB" baseline="0" dirty="0" smtClean="0"/>
+                        <a:t> customers</a:t>
+                      </a:r>
+                      <a:endParaRPr lang="en-GB" dirty="0"/>
+                    </a:p>
+                  </a:txBody>
+                  <a:tcPr/>
+                </a:tc>
+                <a:tc>
+                  <a:txBody>
+                    <a:bodyPr/>
+                    <a:lstStyle/>
+                    <a:p>
+                      <a:endParaRPr lang="en-GB"/>
+                    </a:p>
+                  </a:txBody>
+                  <a:tcPr/>
+                </a:tc>
+              </a:tr>
+              <a:tr h="370840">
+                <a:tc>
+                  <a:txBody>
+                    <a:bodyPr/>
+                    <a:lstStyle/>
+                    <a:p>
+                      <a:r>
+                        <a:rPr lang="en-GB" dirty="0" smtClean="0"/>
+                        <a:t>Inactive customers</a:t>
+                      </a:r>
+                      <a:endParaRPr lang="en-GB" dirty="0"/>
+                    </a:p>
+                  </a:txBody>
+                  <a:tcPr/>
+                </a:tc>
+                <a:tc>
+                  <a:txBody>
+                    <a:bodyPr/>
+                    <a:lstStyle/>
+                    <a:p>
+                      <a:r>
+                        <a:rPr lang="en-GB" dirty="0" smtClean="0"/>
+                        <a:t>Non-current, rare but high revenues</a:t>
+                      </a:r>
+                      <a:endParaRPr lang="en-GB" dirty="0"/>
+                    </a:p>
+                  </a:txBody>
+                  <a:tcPr/>
+                </a:tc>
+              </a:tr>
+              <a:tr h="370840">
+                <a:tc>
+                  <a:txBody>
+                    <a:bodyPr/>
+                    <a:lstStyle/>
+                    <a:p>
+                      <a:r>
+                        <a:rPr lang="en-GB" dirty="0" smtClean="0"/>
+                        <a:t>Lost customers</a:t>
+                      </a:r>
+                      <a:endParaRPr lang="en-GB" dirty="0"/>
+                    </a:p>
+                  </a:txBody>
+                  <a:tcPr/>
+                </a:tc>
+                <a:tc>
+                  <a:txBody>
+                    <a:bodyPr/>
+                    <a:lstStyle/>
+                    <a:p>
+                      <a:endParaRPr lang="en-GB" dirty="0"/>
+                    </a:p>
+                  </a:txBody>
+                  <a:tcPr/>
+                </a:tc>
+              </a:tr>
+            </a:tbl>
+          </a:graphicData>
+        </a:graphic>
+      </p:graphicFrame>
     </p:spTree>
   </p:cSld>
   <p:clrMapOvr>
@@ -4417,7 +6033,7 @@
 </p:sld>
 </file>
 
-<file path=ppt/slides/slide6.xml><?xml version="1.0" encoding="utf-8"?>
+<file path=ppt/slides/slide7.xml><?xml version="1.0" encoding="utf-8"?>
 <p:sld xmlns:a="http://schemas.openxmlformats.org/drawingml/2006/main" xmlns:r="http://schemas.openxmlformats.org/officeDocument/2006/relationships" xmlns:p="http://schemas.openxmlformats.org/presentationml/2006/main">
   <p:cSld>
     <p:spTree>
@@ -4490,7 +6106,344 @@
           </a:ln>
           <a:extLst>
             <a:ext uri="{C572A759-6A51-4108-AA02-DFA0A04FC94B}">
-              <ma14:wrappingTextBoxFlag xmlns="" xmlns:ma14="http://schemas.microsoft.com/office/mac/drawingml/2011/main" val="1"/>
+              <ma14:wrappingTextBoxFlag xmlns:ma14="http://schemas.microsoft.com/office/mac/drawingml/2011/main" xmlns="" val="1"/>
+            </a:ext>
+          </a:extLst>
+        </p:spPr>
+        <p:txBody>
+          <a:bodyPr lIns="91424" tIns="91424" rIns="91424" bIns="91424">
+            <a:spAutoFit/>
+          </a:bodyPr>
+          <a:lstStyle>
+            <a:lvl1pPr>
+              <a:defRPr sz="2000" b="1">
+                <a:solidFill>
+                  <a:srgbClr val="FFFFFF"/>
+                </a:solidFill>
+              </a:defRPr>
+            </a:lvl1pPr>
+          </a:lstStyle>
+          <a:p>
+            <a:r>
+              <a:t>Interpretation</a:t>
+            </a:r>
+          </a:p>
+        </p:txBody>
+      </p:sp>
+      <p:pic>
+        <p:nvPicPr>
+          <p:cNvPr id="2050" name="Picture 2"/>
+          <p:cNvPicPr>
+            <a:picLocks noChangeAspect="1" noChangeArrowheads="1"/>
+          </p:cNvPicPr>
+          <p:nvPr/>
+        </p:nvPicPr>
+        <p:blipFill>
+          <a:blip r:embed="rId2"/>
+          <a:srcRect r="30845"/>
+          <a:stretch>
+            <a:fillRect/>
+          </a:stretch>
+        </p:blipFill>
+        <p:spPr bwMode="auto">
+          <a:xfrm>
+            <a:off x="0" y="857238"/>
+            <a:ext cx="2355819" cy="1519233"/>
+          </a:xfrm>
+          <a:prstGeom prst="rect">
+            <a:avLst/>
+          </a:prstGeom>
+          <a:noFill/>
+          <a:ln w="9525">
+            <a:noFill/>
+            <a:miter lim="800000"/>
+            <a:headEnd/>
+            <a:tailEnd/>
+          </a:ln>
+          <a:effectLst/>
+        </p:spPr>
+      </p:pic>
+      <p:pic>
+        <p:nvPicPr>
+          <p:cNvPr id="2051" name="Picture 3"/>
+          <p:cNvPicPr>
+            <a:picLocks noChangeAspect="1" noChangeArrowheads="1"/>
+          </p:cNvPicPr>
+          <p:nvPr/>
+        </p:nvPicPr>
+        <p:blipFill>
+          <a:blip r:embed="rId3"/>
+          <a:srcRect/>
+          <a:stretch>
+            <a:fillRect/>
+          </a:stretch>
+        </p:blipFill>
+        <p:spPr bwMode="auto">
+          <a:xfrm>
+            <a:off x="5643570" y="857238"/>
+            <a:ext cx="3248032" cy="1460614"/>
+          </a:xfrm>
+          <a:prstGeom prst="rect">
+            <a:avLst/>
+          </a:prstGeom>
+          <a:noFill/>
+          <a:ln w="9525">
+            <a:noFill/>
+            <a:miter lim="800000"/>
+            <a:headEnd/>
+            <a:tailEnd/>
+          </a:ln>
+          <a:effectLst/>
+        </p:spPr>
+      </p:pic>
+      <p:pic>
+        <p:nvPicPr>
+          <p:cNvPr id="2052" name="Picture 4"/>
+          <p:cNvPicPr>
+            <a:picLocks noChangeAspect="1" noChangeArrowheads="1"/>
+          </p:cNvPicPr>
+          <p:nvPr/>
+        </p:nvPicPr>
+        <p:blipFill>
+          <a:blip r:embed="rId4"/>
+          <a:srcRect/>
+          <a:stretch>
+            <a:fillRect/>
+          </a:stretch>
+        </p:blipFill>
+        <p:spPr bwMode="auto">
+          <a:xfrm>
+            <a:off x="2428860" y="928676"/>
+            <a:ext cx="3023050" cy="1412878"/>
+          </a:xfrm>
+          <a:prstGeom prst="rect">
+            <a:avLst/>
+          </a:prstGeom>
+          <a:noFill/>
+          <a:ln w="9525">
+            <a:noFill/>
+            <a:miter lim="800000"/>
+            <a:headEnd/>
+            <a:tailEnd/>
+          </a:ln>
+          <a:effectLst/>
+        </p:spPr>
+      </p:pic>
+      <p:pic>
+        <p:nvPicPr>
+          <p:cNvPr id="2053" name="Picture 5"/>
+          <p:cNvPicPr>
+            <a:picLocks noChangeAspect="1" noChangeArrowheads="1"/>
+          </p:cNvPicPr>
+          <p:nvPr/>
+        </p:nvPicPr>
+        <p:blipFill>
+          <a:blip r:embed="rId5"/>
+          <a:srcRect/>
+          <a:stretch>
+            <a:fillRect/>
+          </a:stretch>
+        </p:blipFill>
+        <p:spPr bwMode="auto">
+          <a:xfrm>
+            <a:off x="918994" y="2285998"/>
+            <a:ext cx="3295816" cy="1470028"/>
+          </a:xfrm>
+          <a:prstGeom prst="rect">
+            <a:avLst/>
+          </a:prstGeom>
+          <a:noFill/>
+          <a:ln w="9525">
+            <a:noFill/>
+            <a:miter lim="800000"/>
+            <a:headEnd/>
+            <a:tailEnd/>
+          </a:ln>
+          <a:effectLst/>
+        </p:spPr>
+      </p:pic>
+      <p:pic>
+        <p:nvPicPr>
+          <p:cNvPr id="2054" name="Picture 6"/>
+          <p:cNvPicPr>
+            <a:picLocks noChangeAspect="1" noChangeArrowheads="1"/>
+          </p:cNvPicPr>
+          <p:nvPr/>
+        </p:nvPicPr>
+        <p:blipFill>
+          <a:blip r:embed="rId6"/>
+          <a:srcRect/>
+          <a:stretch>
+            <a:fillRect/>
+          </a:stretch>
+        </p:blipFill>
+        <p:spPr bwMode="auto">
+          <a:xfrm>
+            <a:off x="4320368" y="2285998"/>
+            <a:ext cx="3394904" cy="1539390"/>
+          </a:xfrm>
+          <a:prstGeom prst="rect">
+            <a:avLst/>
+          </a:prstGeom>
+          <a:noFill/>
+          <a:ln w="9525">
+            <a:noFill/>
+            <a:miter lim="800000"/>
+            <a:headEnd/>
+            <a:tailEnd/>
+          </a:ln>
+          <a:effectLst/>
+        </p:spPr>
+      </p:pic>
+      <p:pic>
+        <p:nvPicPr>
+          <p:cNvPr id="2055" name="Picture 7"/>
+          <p:cNvPicPr>
+            <a:picLocks noChangeAspect="1" noChangeArrowheads="1"/>
+          </p:cNvPicPr>
+          <p:nvPr/>
+        </p:nvPicPr>
+        <p:blipFill>
+          <a:blip r:embed="rId7"/>
+          <a:srcRect/>
+          <a:stretch>
+            <a:fillRect/>
+          </a:stretch>
+        </p:blipFill>
+        <p:spPr bwMode="auto">
+          <a:xfrm>
+            <a:off x="4572000" y="3873498"/>
+            <a:ext cx="2780275" cy="1270002"/>
+          </a:xfrm>
+          <a:prstGeom prst="rect">
+            <a:avLst/>
+          </a:prstGeom>
+          <a:noFill/>
+          <a:ln w="9525">
+            <a:noFill/>
+            <a:miter lim="800000"/>
+            <a:headEnd/>
+            <a:tailEnd/>
+          </a:ln>
+          <a:effectLst/>
+        </p:spPr>
+      </p:pic>
+      <p:pic>
+        <p:nvPicPr>
+          <p:cNvPr id="2056" name="Picture 8"/>
+          <p:cNvPicPr>
+            <a:picLocks noChangeAspect="1" noChangeArrowheads="1"/>
+          </p:cNvPicPr>
+          <p:nvPr/>
+        </p:nvPicPr>
+        <p:blipFill>
+          <a:blip r:embed="rId8"/>
+          <a:srcRect/>
+          <a:stretch>
+            <a:fillRect/>
+          </a:stretch>
+        </p:blipFill>
+        <p:spPr bwMode="auto">
+          <a:xfrm>
+            <a:off x="1357290" y="3929072"/>
+            <a:ext cx="2605775" cy="1185927"/>
+          </a:xfrm>
+          <a:prstGeom prst="rect">
+            <a:avLst/>
+          </a:prstGeom>
+          <a:noFill/>
+          <a:ln w="9525">
+            <a:noFill/>
+            <a:miter lim="800000"/>
+            <a:headEnd/>
+            <a:tailEnd/>
+          </a:ln>
+          <a:effectLst/>
+        </p:spPr>
+      </p:pic>
+    </p:spTree>
+  </p:cSld>
+  <p:clrMapOvr>
+    <a:masterClrMapping/>
+  </p:clrMapOvr>
+  <p:transition spd="med"/>
+</p:sld>
+</file>
+
+<file path=ppt/slides/slide8.xml><?xml version="1.0" encoding="utf-8"?>
+<p:sld xmlns:a="http://schemas.openxmlformats.org/drawingml/2006/main" xmlns:r="http://schemas.openxmlformats.org/officeDocument/2006/relationships" xmlns:p="http://schemas.openxmlformats.org/presentationml/2006/main">
+  <p:cSld>
+    <p:spTree>
+      <p:nvGrpSpPr>
+        <p:cNvPr id="1" name=""/>
+        <p:cNvGrpSpPr/>
+        <p:nvPr/>
+      </p:nvGrpSpPr>
+      <p:grpSpPr>
+        <a:xfrm>
+          <a:off x="0" y="0"/>
+          <a:ext cx="0" cy="0"/>
+          <a:chOff x="0" y="0"/>
+          <a:chExt cx="0" cy="0"/>
+        </a:xfrm>
+      </p:grpSpPr>
+      <p:sp>
+        <p:nvSpPr>
+          <p:cNvPr id="148" name="Shape 97"/>
+          <p:cNvSpPr/>
+          <p:nvPr/>
+        </p:nvSpPr>
+        <p:spPr>
+          <a:xfrm>
+            <a:off x="-15501" y="-19475"/>
+            <a:ext cx="9191402" cy="840000"/>
+          </a:xfrm>
+          <a:prstGeom prst="rect">
+            <a:avLst/>
+          </a:prstGeom>
+          <a:gradFill>
+            <a:gsLst>
+              <a:gs pos="0">
+                <a:srgbClr val="1077D2"/>
+              </a:gs>
+              <a:gs pos="100000">
+                <a:srgbClr val="093153"/>
+              </a:gs>
+            </a:gsLst>
+            <a:lin ang="12000143"/>
+          </a:gradFill>
+          <a:ln w="12700">
+            <a:miter lim="400000"/>
+          </a:ln>
+        </p:spPr>
+        <p:txBody>
+          <a:bodyPr lIns="45719" rIns="45719" anchor="ctr"/>
+          <a:lstStyle/>
+          <a:p>
+            <a:endParaRPr/>
+          </a:p>
+        </p:txBody>
+      </p:sp>
+      <p:sp>
+        <p:nvSpPr>
+          <p:cNvPr id="149" name="Shape 98"/>
+          <p:cNvSpPr/>
+          <p:nvPr/>
+        </p:nvSpPr>
+        <p:spPr>
+          <a:xfrm>
+            <a:off x="205025" y="263974"/>
+            <a:ext cx="8565600" cy="758742"/>
+          </a:xfrm>
+          <a:prstGeom prst="rect">
+            <a:avLst/>
+          </a:prstGeom>
+          <a:ln w="12700">
+            <a:miter lim="400000"/>
+          </a:ln>
+          <a:extLst>
+            <a:ext uri="{C572A759-6A51-4108-AA02-DFA0A04FC94B}">
+              <ma14:wrappingTextBoxFlag xmlns:ma14="http://schemas.microsoft.com/office/mac/drawingml/2011/main" xmlns="" val="1"/>
             </a:ext>
           </a:extLst>
         </p:spPr>
@@ -4533,7 +6486,7 @@
           </a:ln>
           <a:extLst>
             <a:ext uri="{C572A759-6A51-4108-AA02-DFA0A04FC94B}">
-              <ma14:wrappingTextBoxFlag xmlns="" xmlns:ma14="http://schemas.microsoft.com/office/mac/drawingml/2011/main" val="1"/>
+              <ma14:wrappingTextBoxFlag xmlns:ma14="http://schemas.microsoft.com/office/mac/drawingml/2011/main" xmlns="" val="1"/>
             </a:ext>
           </a:extLst>
         </p:spPr>
@@ -4580,7 +6533,7 @@
           </a:ln>
           <a:extLst>
             <a:ext uri="{C572A759-6A51-4108-AA02-DFA0A04FC94B}">
-              <ma14:wrappingTextBoxFlag xmlns="" xmlns:ma14="http://schemas.microsoft.com/office/mac/drawingml/2011/main" val="1"/>
+              <ma14:wrappingTextBoxFlag xmlns:ma14="http://schemas.microsoft.com/office/mac/drawingml/2011/main" xmlns="" val="1"/>
             </a:ext>
           </a:extLst>
         </p:spPr>
@@ -4610,7 +6563,7 @@
       </p:sp>
       <p:grpSp>
         <p:nvGrpSpPr>
-          <p:cNvPr id="154" name="Shape 101"/>
+          <p:cNvPr id="2" name="Shape 101"/>
           <p:cNvGrpSpPr/>
           <p:nvPr/>
         </p:nvGrpSpPr>
@@ -4684,7 +6637,7 @@
             <a:effectLst/>
             <a:extLst>
               <a:ext uri="{C572A759-6A51-4108-AA02-DFA0A04FC94B}">
-                <ma14:wrappingTextBoxFlag xmlns="" xmlns:ma14="http://schemas.microsoft.com/office/mac/drawingml/2011/main" val="1"/>
+                <ma14:wrappingTextBoxFlag xmlns:ma14="http://schemas.microsoft.com/office/mac/drawingml/2011/main" xmlns="" val="1"/>
               </a:ext>
             </a:extLst>
           </p:spPr>
@@ -4718,7 +6671,7 @@
 </p:sld>
 </file>
 
-<file path=ppt/slides/slide7.xml><?xml version="1.0" encoding="utf-8"?>
+<file path=ppt/slides/slide9.xml><?xml version="1.0" encoding="utf-8"?>
 <p:sld xmlns:a="http://schemas.openxmlformats.org/drawingml/2006/main" xmlns:r="http://schemas.openxmlformats.org/officeDocument/2006/relationships" xmlns:p="http://schemas.openxmlformats.org/presentationml/2006/main">
   <p:cSld>
     <p:spTree>
@@ -4737,154 +6690,7 @@
       </p:grpSpPr>
       <p:sp>
         <p:nvSpPr>
-          <p:cNvPr id="157" name="Shape 106"/>
-          <p:cNvSpPr/>
-          <p:nvPr/>
-        </p:nvSpPr>
-        <p:spPr>
-          <a:xfrm rot="10800000" flipH="1">
-            <a:off x="-1" y="0"/>
-            <a:ext cx="9163201" cy="5148001"/>
-          </a:xfrm>
-          <a:custGeom>
-            <a:avLst/>
-            <a:gdLst/>
-            <a:ahLst/>
-            <a:cxnLst>
-              <a:cxn ang="0">
-                <a:pos x="wd2" y="hd2"/>
-              </a:cxn>
-              <a:cxn ang="5400000">
-                <a:pos x="wd2" y="hd2"/>
-              </a:cxn>
-              <a:cxn ang="10800000">
-                <a:pos x="wd2" y="hd2"/>
-              </a:cxn>
-              <a:cxn ang="16200000">
-                <a:pos x="wd2" y="hd2"/>
-              </a:cxn>
-            </a:cxnLst>
-            <a:rect l="0" t="0" r="r" b="b"/>
-            <a:pathLst>
-              <a:path w="21600" h="21600" extrusionOk="0">
-                <a:moveTo>
-                  <a:pt x="0" y="0"/>
-                </a:moveTo>
-                <a:lnTo>
-                  <a:pt x="16564" y="0"/>
-                </a:lnTo>
-                <a:lnTo>
-                  <a:pt x="21600" y="8964"/>
-                </a:lnTo>
-                <a:lnTo>
-                  <a:pt x="21600" y="21600"/>
-                </a:lnTo>
-                <a:lnTo>
-                  <a:pt x="0" y="21600"/>
-                </a:lnTo>
-                <a:close/>
-              </a:path>
-            </a:pathLst>
-          </a:custGeom>
-          <a:gradFill>
-            <a:gsLst>
-              <a:gs pos="0">
-                <a:srgbClr val="1077D2"/>
-              </a:gs>
-              <a:gs pos="100000">
-                <a:srgbClr val="093153"/>
-              </a:gs>
-            </a:gsLst>
-            <a:lin ang="12000143"/>
-          </a:gradFill>
-          <a:ln w="12700">
-            <a:miter lim="400000"/>
-          </a:ln>
-        </p:spPr>
-        <p:txBody>
-          <a:bodyPr lIns="45719" rIns="45719" anchor="ctr"/>
-          <a:lstStyle/>
-          <a:p>
-            <a:endParaRPr/>
-          </a:p>
-        </p:txBody>
-      </p:sp>
-      <p:sp>
-        <p:nvSpPr>
-          <p:cNvPr id="158" name="Shape 107"/>
-          <p:cNvSpPr/>
-          <p:nvPr/>
-        </p:nvSpPr>
-        <p:spPr>
-          <a:xfrm>
-            <a:off x="537899" y="1895175"/>
-            <a:ext cx="3953102" cy="779751"/>
-          </a:xfrm>
-          <a:prstGeom prst="rect">
-            <a:avLst/>
-          </a:prstGeom>
-          <a:ln w="12700">
-            <a:miter lim="400000"/>
-          </a:ln>
-          <a:extLst>
-            <a:ext uri="{C572A759-6A51-4108-AA02-DFA0A04FC94B}">
-              <ma14:wrappingTextBoxFlag xmlns="" xmlns:ma14="http://schemas.microsoft.com/office/mac/drawingml/2011/main" val="1"/>
-            </a:ext>
-          </a:extLst>
-        </p:spPr>
-        <p:txBody>
-          <a:bodyPr lIns="91424" tIns="91424" rIns="91424" bIns="91424">
-            <a:spAutoFit/>
-          </a:bodyPr>
-          <a:lstStyle>
-            <a:lvl1pPr>
-              <a:defRPr sz="3500">
-                <a:solidFill>
-                  <a:srgbClr val="FFFFFF"/>
-                </a:solidFill>
-                <a:latin typeface="Open Sans Extrabold"/>
-                <a:ea typeface="Open Sans Extrabold"/>
-                <a:cs typeface="Open Sans Extrabold"/>
-                <a:sym typeface="Open Sans Extrabold"/>
-              </a:defRPr>
-            </a:lvl1pPr>
-          </a:lstStyle>
-          <a:p>
-            <a:r>
-              <a:t>Appendix</a:t>
-            </a:r>
-          </a:p>
-        </p:txBody>
-      </p:sp>
-    </p:spTree>
-  </p:cSld>
-  <p:clrMapOvr>
-    <a:masterClrMapping/>
-  </p:clrMapOvr>
-  <p:transition spd="med"/>
-</p:sld>
-</file>
-
-<file path=ppt/slides/slide8.xml><?xml version="1.0" encoding="utf-8"?>
-<p:sld xmlns:a="http://schemas.openxmlformats.org/drawingml/2006/main" xmlns:r="http://schemas.openxmlformats.org/officeDocument/2006/relationships" xmlns:p="http://schemas.openxmlformats.org/presentationml/2006/main">
-  <p:cSld>
-    <p:spTree>
-      <p:nvGrpSpPr>
-        <p:cNvPr id="1" name=""/>
-        <p:cNvGrpSpPr/>
-        <p:nvPr/>
-      </p:nvGrpSpPr>
-      <p:grpSpPr>
-        <a:xfrm>
-          <a:off x="0" y="0"/>
-          <a:ext cx="0" cy="0"/>
-          <a:chOff x="0" y="0"/>
-          <a:chExt cx="0" cy="0"/>
-        </a:xfrm>
-      </p:grpSpPr>
-      <p:sp>
-        <p:nvSpPr>
-          <p:cNvPr id="161" name="Shape 113"/>
+          <p:cNvPr id="148" name="Shape 97"/>
           <p:cNvSpPr/>
           <p:nvPr/>
         </p:nvSpPr>
@@ -4921,7 +6727,7 @@
       </p:sp>
       <p:sp>
         <p:nvSpPr>
-          <p:cNvPr id="162" name="Shape 114"/>
+          <p:cNvPr id="149" name="Shape 98"/>
           <p:cNvSpPr/>
           <p:nvPr/>
         </p:nvSpPr>
@@ -4938,7 +6744,7 @@
           </a:ln>
           <a:extLst>
             <a:ext uri="{C572A759-6A51-4108-AA02-DFA0A04FC94B}">
-              <ma14:wrappingTextBoxFlag xmlns="" xmlns:ma14="http://schemas.microsoft.com/office/mac/drawingml/2011/main" val="1"/>
+              <ma14:wrappingTextBoxFlag xmlns:ma14="http://schemas.microsoft.com/office/mac/drawingml/2011/main" xmlns="" val="1"/>
             </a:ext>
           </a:extLst>
         </p:spPr>
@@ -4957,14 +6763,14 @@
           </a:lstStyle>
           <a:p>
             <a:r>
-              <a:t>Appendix</a:t>
+              <a:t>Interpretation</a:t>
             </a:r>
           </a:p>
         </p:txBody>
       </p:sp>
       <p:sp>
         <p:nvSpPr>
-          <p:cNvPr id="163" name="Shape 115"/>
+          <p:cNvPr id="150" name="Shape 99"/>
           <p:cNvSpPr/>
           <p:nvPr/>
         </p:nvSpPr>
@@ -4981,7 +6787,7 @@
           </a:ln>
           <a:extLst>
             <a:ext uri="{C572A759-6A51-4108-AA02-DFA0A04FC94B}">
-              <ma14:wrappingTextBoxFlag xmlns="" xmlns:ma14="http://schemas.microsoft.com/office/mac/drawingml/2011/main" val="1"/>
+              <ma14:wrappingTextBoxFlag xmlns:ma14="http://schemas.microsoft.com/office/mac/drawingml/2011/main" xmlns="" val="1"/>
             </a:ext>
           </a:extLst>
         </p:spPr>
@@ -5004,11 +6810,159 @@
           </a:lstStyle>
           <a:p>
             <a:r>
-              <a:t>This is an optional slide where you may place any supporting items.</a:t>
+              <a:t>Place headline insight or information here. This should be the most important point for this slide.</a:t>
             </a:r>
           </a:p>
         </p:txBody>
       </p:sp>
+      <p:sp>
+        <p:nvSpPr>
+          <p:cNvPr id="151" name="Shape 100"/>
+          <p:cNvSpPr/>
+          <p:nvPr/>
+        </p:nvSpPr>
+        <p:spPr>
+          <a:xfrm>
+            <a:off x="205025" y="2164724"/>
+            <a:ext cx="4134600" cy="436851"/>
+          </a:xfrm>
+          <a:prstGeom prst="rect">
+            <a:avLst/>
+          </a:prstGeom>
+          <a:ln w="12700">
+            <a:miter lim="400000"/>
+          </a:ln>
+          <a:extLst>
+            <a:ext uri="{C572A759-6A51-4108-AA02-DFA0A04FC94B}">
+              <ma14:wrappingTextBoxFlag xmlns:ma14="http://schemas.microsoft.com/office/mac/drawingml/2011/main" xmlns="" val="1"/>
+            </a:ext>
+          </a:extLst>
+        </p:spPr>
+        <p:txBody>
+          <a:bodyPr lIns="91424" tIns="91424" rIns="91424" bIns="91424">
+            <a:spAutoFit/>
+          </a:bodyPr>
+          <a:lstStyle>
+            <a:lvl1pPr>
+              <a:lnSpc>
+                <a:spcPct val="115000"/>
+              </a:lnSpc>
+              <a:defRPr sz="1500">
+                <a:latin typeface="Open Sans"/>
+                <a:ea typeface="Open Sans"/>
+                <a:cs typeface="Open Sans"/>
+                <a:sym typeface="Open Sans"/>
+              </a:defRPr>
+            </a:lvl1pPr>
+          </a:lstStyle>
+          <a:p>
+            <a:r>
+              <a:t>Place any information about this point here.</a:t>
+            </a:r>
+          </a:p>
+        </p:txBody>
+      </p:sp>
+      <p:grpSp>
+        <p:nvGrpSpPr>
+          <p:cNvPr id="2" name="Shape 101"/>
+          <p:cNvGrpSpPr/>
+          <p:nvPr/>
+        </p:nvGrpSpPr>
+        <p:grpSpPr>
+          <a:xfrm>
+            <a:off x="4969974" y="2164724"/>
+            <a:ext cx="3800702" cy="2649302"/>
+            <a:chOff x="0" y="0"/>
+            <a:chExt cx="3800700" cy="2649300"/>
+          </a:xfrm>
+        </p:grpSpPr>
+        <p:sp>
+          <p:nvSpPr>
+            <p:cNvPr id="152" name="Rectangle"/>
+            <p:cNvSpPr/>
+            <p:nvPr/>
+          </p:nvSpPr>
+          <p:spPr>
+            <a:xfrm>
+              <a:off x="-1" y="-1"/>
+              <a:ext cx="3800702" cy="2649302"/>
+            </a:xfrm>
+            <a:prstGeom prst="rect">
+              <a:avLst/>
+            </a:prstGeom>
+            <a:solidFill>
+              <a:srgbClr val="EEEEEE"/>
+            </a:solidFill>
+            <a:ln w="12700" cap="flat">
+              <a:noFill/>
+              <a:miter lim="400000"/>
+            </a:ln>
+            <a:effectLst/>
+          </p:spPr>
+          <p:txBody>
+            <a:bodyPr wrap="square" lIns="45719" tIns="45719" rIns="45719" bIns="45719" numCol="1" anchor="ctr">
+              <a:noAutofit/>
+            </a:bodyPr>
+            <a:lstStyle/>
+            <a:p>
+              <a:pPr algn="ctr">
+                <a:defRPr>
+                  <a:solidFill>
+                    <a:srgbClr val="666666"/>
+                  </a:solidFill>
+                </a:defRPr>
+              </a:pPr>
+              <a:endParaRPr/>
+            </a:p>
+          </p:txBody>
+        </p:sp>
+        <p:sp>
+          <p:nvSpPr>
+            <p:cNvPr id="153" name="Place any supporting images, graphs, data or extra text here."/>
+            <p:cNvSpPr/>
+            <p:nvPr/>
+          </p:nvSpPr>
+          <p:spPr>
+            <a:xfrm>
+              <a:off x="-1" y="1032933"/>
+              <a:ext cx="3800702" cy="583434"/>
+            </a:xfrm>
+            <a:prstGeom prst="rect">
+              <a:avLst/>
+            </a:prstGeom>
+            <a:noFill/>
+            <a:ln w="12700" cap="flat">
+              <a:noFill/>
+              <a:miter lim="400000"/>
+            </a:ln>
+            <a:effectLst/>
+            <a:extLst>
+              <a:ext uri="{C572A759-6A51-4108-AA02-DFA0A04FC94B}">
+                <ma14:wrappingTextBoxFlag xmlns:ma14="http://schemas.microsoft.com/office/mac/drawingml/2011/main" xmlns="" val="1"/>
+              </a:ext>
+            </a:extLst>
+          </p:spPr>
+          <p:txBody>
+            <a:bodyPr wrap="square" lIns="91424" tIns="91424" rIns="91424" bIns="91424" numCol="1" anchor="ctr">
+              <a:spAutoFit/>
+            </a:bodyPr>
+            <a:lstStyle>
+              <a:lvl1pPr algn="ctr">
+                <a:defRPr>
+                  <a:solidFill>
+                    <a:srgbClr val="666666"/>
+                  </a:solidFill>
+                </a:defRPr>
+              </a:lvl1pPr>
+            </a:lstStyle>
+            <a:p>
+              <a:r>
+                <a:t>Place any supporting images, graphs, data or extra text here.</a:t>
+              </a:r>
+            </a:p>
+          </p:txBody>
+        </p:sp>
+      </p:grpSp>
     </p:spTree>
   </p:cSld>
   <p:clrMapOvr>
